--- a/Document/보고서자료.pptx
+++ b/Document/보고서자료.pptx
@@ -5,7 +5,7 @@
     <p:sldMasterId id="2147483720" r:id="rId1"/>
   </p:sldMasterIdLst>
   <p:notesMasterIdLst>
-    <p:notesMasterId r:id="rId13"/>
+    <p:notesMasterId r:id="rId14"/>
   </p:notesMasterIdLst>
   <p:sldIdLst>
     <p:sldId id="271" r:id="rId2"/>
@@ -15,10 +15,11 @@
     <p:sldId id="264" r:id="rId6"/>
     <p:sldId id="259" r:id="rId7"/>
     <p:sldId id="262" r:id="rId8"/>
-    <p:sldId id="267" r:id="rId9"/>
-    <p:sldId id="268" r:id="rId10"/>
-    <p:sldId id="269" r:id="rId11"/>
-    <p:sldId id="270" r:id="rId12"/>
+    <p:sldId id="273" r:id="rId9"/>
+    <p:sldId id="267" r:id="rId10"/>
+    <p:sldId id="268" r:id="rId11"/>
+    <p:sldId id="269" r:id="rId12"/>
+    <p:sldId id="270" r:id="rId13"/>
   </p:sldIdLst>
   <p:sldSz cx="38531800" cy="21674138"/>
   <p:notesSz cx="9144000" cy="6858000"/>
@@ -624,7 +625,7 @@
           <a:p>
             <a:fld id="{1CCD40C0-FE18-4A15-B6D6-59C4FEB1BA9E}" type="slidenum">
               <a:rPr lang="ko-KR" altLang="en-US" smtClean="0"/>
-              <a:t>8</a:t>
+              <a:t>9</a:t>
             </a:fld>
             <a:endParaRPr lang="ko-KR" altLang="en-US"/>
           </a:p>
@@ -3898,6 +3899,67 @@
           <a:chExt cx="0" cy="0"/>
         </a:xfrm>
       </p:grpSpPr>
+      <p:pic>
+        <p:nvPicPr>
+          <p:cNvPr id="2" name="그림 1"/>
+          <p:cNvPicPr>
+            <a:picLocks noChangeAspect="1"/>
+          </p:cNvPicPr>
+          <p:nvPr/>
+        </p:nvPicPr>
+        <p:blipFill>
+          <a:blip r:embed="rId2"/>
+          <a:stretch>
+            <a:fillRect/>
+          </a:stretch>
+        </p:blipFill>
+        <p:spPr>
+          <a:xfrm>
+            <a:off x="4220495" y="1238592"/>
+            <a:ext cx="30683159" cy="18747580"/>
+          </a:xfrm>
+          <a:prstGeom prst="rect">
+            <a:avLst/>
+          </a:prstGeom>
+        </p:spPr>
+      </p:pic>
+    </p:spTree>
+    <p:extLst>
+      <p:ext uri="{BB962C8B-B14F-4D97-AF65-F5344CB8AC3E}">
+        <p14:creationId xmlns:p14="http://schemas.microsoft.com/office/powerpoint/2010/main" val="2947816228"/>
+      </p:ext>
+    </p:extLst>
+  </p:cSld>
+  <p:clrMapOvr>
+    <a:masterClrMapping/>
+  </p:clrMapOvr>
+  <p:timing>
+    <p:tnLst>
+      <p:par>
+        <p:cTn id="1" dur="indefinite" restart="never" nodeType="tmRoot"/>
+      </p:par>
+    </p:tnLst>
+  </p:timing>
+</p:sld>
+</file>
+
+<file path=ppt/slides/slide11.xml><?xml version="1.0" encoding="utf-8"?>
+<p:sld xmlns:a="http://schemas.openxmlformats.org/drawingml/2006/main" xmlns:r="http://schemas.openxmlformats.org/officeDocument/2006/relationships" xmlns:p="http://schemas.openxmlformats.org/presentationml/2006/main">
+  <p:cSld>
+    <p:spTree>
+      <p:nvGrpSpPr>
+        <p:cNvPr id="1" name=""/>
+        <p:cNvGrpSpPr/>
+        <p:nvPr/>
+      </p:nvGrpSpPr>
+      <p:grpSpPr>
+        <a:xfrm>
+          <a:off x="0" y="0"/>
+          <a:ext cx="0" cy="0"/>
+          <a:chOff x="0" y="0"/>
+          <a:chExt cx="0" cy="0"/>
+        </a:xfrm>
+      </p:grpSpPr>
       <p:graphicFrame>
         <p:nvGraphicFramePr>
           <p:cNvPr id="2" name="표 1"/>
@@ -3907,13 +3969,13 @@
           <p:nvPr>
             <p:extLst>
               <p:ext uri="{D42A27DB-BD31-4B8C-83A1-F6EECF244321}">
-                <p14:modId xmlns:p14="http://schemas.microsoft.com/office/powerpoint/2010/main" val="2618678567"/>
+                <p14:modId xmlns:p14="http://schemas.microsoft.com/office/powerpoint/2010/main" val="79722394"/>
               </p:ext>
             </p:extLst>
           </p:nvPr>
         </p:nvGraphicFramePr>
         <p:xfrm>
-          <a:off x="6421967" y="2274448"/>
+          <a:off x="6944481" y="4952334"/>
           <a:ext cx="10795986" cy="8339126"/>
         </p:xfrm>
         <a:graphic>
@@ -4063,7 +4125,7 @@
         </p:blipFill>
         <p:spPr bwMode="auto">
           <a:xfrm>
-            <a:off x="7292214" y="2677389"/>
+            <a:off x="7814728" y="5355275"/>
             <a:ext cx="3237037" cy="3237037"/>
           </a:xfrm>
           <a:prstGeom prst="rect">
@@ -4104,7 +4166,7 @@
         </p:blipFill>
         <p:spPr bwMode="auto">
           <a:xfrm>
-            <a:off x="7100824" y="6840825"/>
+            <a:off x="7623338" y="9518711"/>
             <a:ext cx="3619797" cy="3237037"/>
           </a:xfrm>
           <a:prstGeom prst="rect">
@@ -4130,7 +4192,7 @@
         </p:nvSpPr>
         <p:spPr>
           <a:xfrm>
-            <a:off x="12000550" y="2778721"/>
+            <a:off x="12523064" y="5456607"/>
             <a:ext cx="4849341" cy="3138744"/>
           </a:xfrm>
           <a:prstGeom prst="rect">
@@ -4198,7 +4260,7 @@
         </p:nvSpPr>
         <p:spPr>
           <a:xfrm>
-            <a:off x="12549495" y="7397508"/>
+            <a:off x="13072009" y="10075394"/>
             <a:ext cx="3751476" cy="2123274"/>
           </a:xfrm>
           <a:prstGeom prst="rect">
@@ -4252,13 +4314,13 @@
           <p:nvPr>
             <p:extLst>
               <p:ext uri="{D42A27DB-BD31-4B8C-83A1-F6EECF244321}">
-                <p14:modId xmlns:p14="http://schemas.microsoft.com/office/powerpoint/2010/main" val="3183167834"/>
+                <p14:modId xmlns:p14="http://schemas.microsoft.com/office/powerpoint/2010/main" val="3556341223"/>
               </p:ext>
             </p:extLst>
           </p:nvPr>
         </p:nvGraphicFramePr>
         <p:xfrm>
-          <a:off x="19046019" y="2173118"/>
+          <a:off x="19568533" y="4851004"/>
           <a:ext cx="10795986" cy="12508689"/>
         </p:xfrm>
         <a:graphic>
@@ -4487,7 +4549,7 @@
         </p:nvSpPr>
         <p:spPr>
           <a:xfrm>
-            <a:off x="24524162" y="3040396"/>
+            <a:off x="25046676" y="5718282"/>
             <a:ext cx="5050249" cy="2307811"/>
           </a:xfrm>
           <a:prstGeom prst="rect">
@@ -4530,7 +4592,7 @@
         </p:nvSpPr>
         <p:spPr>
           <a:xfrm>
-            <a:off x="24524162" y="6981398"/>
+            <a:off x="25046676" y="9659284"/>
             <a:ext cx="5050249" cy="2861681"/>
           </a:xfrm>
           <a:prstGeom prst="rect">
@@ -4578,7 +4640,7 @@
         </p:blipFill>
         <p:spPr bwMode="auto">
           <a:xfrm>
-            <a:off x="19309434" y="2748084"/>
+            <a:off x="19831948" y="5425970"/>
             <a:ext cx="4450684" cy="2892944"/>
           </a:xfrm>
           <a:prstGeom prst="rect">
@@ -4619,7 +4681,7 @@
         </p:blipFill>
         <p:spPr bwMode="auto">
           <a:xfrm>
-            <a:off x="20328513" y="6872291"/>
+            <a:off x="20851027" y="9550177"/>
             <a:ext cx="2412527" cy="2971428"/>
           </a:xfrm>
           <a:prstGeom prst="rect">
@@ -4645,7 +4707,7 @@
         </p:nvSpPr>
         <p:spPr>
           <a:xfrm>
-            <a:off x="24524147" y="11138875"/>
+            <a:off x="25046661" y="13816761"/>
             <a:ext cx="5317860" cy="2861681"/>
           </a:xfrm>
           <a:prstGeom prst="rect">
@@ -4697,7 +4759,7 @@
         </p:blipFill>
         <p:spPr bwMode="auto">
           <a:xfrm>
-            <a:off x="19309434" y="11074961"/>
+            <a:off x="19831948" y="13752847"/>
             <a:ext cx="4450684" cy="3339953"/>
           </a:xfrm>
           <a:prstGeom prst="rect">
@@ -4735,7 +4797,7 @@
 </p:sld>
 </file>
 
-<file path=ppt/slides/slide11.xml><?xml version="1.0" encoding="utf-8"?>
+<file path=ppt/slides/slide12.xml><?xml version="1.0" encoding="utf-8"?>
 <p:sld xmlns:a="http://schemas.openxmlformats.org/drawingml/2006/main" xmlns:r="http://schemas.openxmlformats.org/officeDocument/2006/relationships" xmlns:p="http://schemas.openxmlformats.org/presentationml/2006/main">
   <p:cSld>
     <p:spTree>
@@ -4761,13 +4823,13 @@
           <p:nvPr>
             <p:extLst>
               <p:ext uri="{D42A27DB-BD31-4B8C-83A1-F6EECF244321}">
-                <p14:modId xmlns:p14="http://schemas.microsoft.com/office/powerpoint/2010/main" val="432517745"/>
+                <p14:modId xmlns:p14="http://schemas.microsoft.com/office/powerpoint/2010/main" val="1555026217"/>
               </p:ext>
             </p:extLst>
           </p:nvPr>
         </p:nvGraphicFramePr>
         <p:xfrm>
-          <a:off x="9532368" y="499961"/>
+          <a:off x="13091997" y="4418818"/>
           <a:ext cx="10795986" cy="12508689"/>
         </p:xfrm>
         <a:graphic>
@@ -5192,7 +5254,7 @@
         </p:blipFill>
         <p:spPr bwMode="auto">
           <a:xfrm>
-            <a:off x="9824879" y="814052"/>
+            <a:off x="13384508" y="4732909"/>
             <a:ext cx="4179229" cy="3524488"/>
           </a:xfrm>
           <a:prstGeom prst="rect">
@@ -5233,7 +5295,7 @@
         </p:blipFill>
         <p:spPr bwMode="auto">
           <a:xfrm>
-            <a:off x="10009269" y="9083865"/>
+            <a:off x="13568898" y="13002722"/>
             <a:ext cx="3810425" cy="3810425"/>
           </a:xfrm>
           <a:prstGeom prst="rect">
@@ -5274,7 +5336,7 @@
         </p:blipFill>
         <p:spPr bwMode="auto">
           <a:xfrm>
-            <a:off x="9886664" y="5235387"/>
+            <a:off x="13446293" y="9154244"/>
             <a:ext cx="4055632" cy="3037809"/>
           </a:xfrm>
           <a:prstGeom prst="rect">
@@ -8891,7 +8953,7 @@
         </p:nvGrpSpPr>
         <p:grpSpPr>
           <a:xfrm>
-            <a:off x="15987663" y="14472558"/>
+            <a:off x="15987674" y="14068043"/>
             <a:ext cx="6881592" cy="1623691"/>
             <a:chOff x="15987659" y="14472566"/>
             <a:chExt cx="6881593" cy="1623687"/>
@@ -9636,6 +9698,522 @@
           <a:chExt cx="0" cy="0"/>
         </a:xfrm>
       </p:grpSpPr>
+      <p:cxnSp>
+        <p:nvCxnSpPr>
+          <p:cNvPr id="9" name="직선 화살표 연결선 8"/>
+          <p:cNvCxnSpPr>
+            <a:stCxn id="3" idx="3"/>
+            <a:endCxn id="6" idx="1"/>
+          </p:cNvCxnSpPr>
+          <p:nvPr/>
+        </p:nvCxnSpPr>
+        <p:spPr>
+          <a:xfrm flipV="1">
+            <a:off x="15977256" y="11547437"/>
+            <a:ext cx="4573362" cy="461"/>
+          </a:xfrm>
+          <a:prstGeom prst="straightConnector1">
+            <a:avLst/>
+          </a:prstGeom>
+          <a:ln w="76200">
+            <a:solidFill>
+              <a:srgbClr val="54C0EB"/>
+            </a:solidFill>
+            <a:tailEnd type="triangle"/>
+          </a:ln>
+        </p:spPr>
+        <p:style>
+          <a:lnRef idx="1">
+            <a:schemeClr val="accent1"/>
+          </a:lnRef>
+          <a:fillRef idx="0">
+            <a:schemeClr val="accent1"/>
+          </a:fillRef>
+          <a:effectRef idx="0">
+            <a:schemeClr val="accent1"/>
+          </a:effectRef>
+          <a:fontRef idx="minor">
+            <a:schemeClr val="tx1"/>
+          </a:fontRef>
+        </p:style>
+      </p:cxnSp>
+      <p:sp>
+        <p:nvSpPr>
+          <p:cNvPr id="7" name="모서리가 둥근 직사각형 6"/>
+          <p:cNvSpPr/>
+          <p:nvPr/>
+        </p:nvSpPr>
+        <p:spPr>
+          <a:xfrm>
+            <a:off x="17084842" y="9529011"/>
+            <a:ext cx="2358190" cy="3917482"/>
+          </a:xfrm>
+          <a:prstGeom prst="roundRect">
+            <a:avLst/>
+          </a:prstGeom>
+          <a:solidFill>
+            <a:srgbClr val="FFD1D1"/>
+          </a:solidFill>
+          <a:ln>
+            <a:noFill/>
+          </a:ln>
+        </p:spPr>
+        <p:style>
+          <a:lnRef idx="2">
+            <a:schemeClr val="accent1">
+              <a:shade val="50000"/>
+            </a:schemeClr>
+          </a:lnRef>
+          <a:fillRef idx="1">
+            <a:schemeClr val="accent1"/>
+          </a:fillRef>
+          <a:effectRef idx="0">
+            <a:schemeClr val="accent1"/>
+          </a:effectRef>
+          <a:fontRef idx="minor">
+            <a:schemeClr val="lt1"/>
+          </a:fontRef>
+        </p:style>
+        <p:txBody>
+          <a:bodyPr rtlCol="0" anchor="ctr"/>
+          <a:lstStyle/>
+          <a:p>
+            <a:pPr algn="ctr"/>
+            <a:endParaRPr lang="ko-KR" altLang="en-US"/>
+          </a:p>
+        </p:txBody>
+      </p:sp>
+      <p:pic>
+        <p:nvPicPr>
+          <p:cNvPr id="2" name="그림 1"/>
+          <p:cNvPicPr>
+            <a:picLocks noChangeAspect="1"/>
+          </p:cNvPicPr>
+          <p:nvPr/>
+        </p:nvPicPr>
+        <p:blipFill>
+          <a:blip r:embed="rId2" cstate="print">
+            <a:extLst>
+              <a:ext uri="{28A0092B-C50C-407E-A947-70E740481C1C}">
+                <a14:useLocalDpi xmlns:a14="http://schemas.microsoft.com/office/drawing/2010/main" val="0"/>
+              </a:ext>
+            </a:extLst>
+          </a:blip>
+          <a:stretch>
+            <a:fillRect/>
+          </a:stretch>
+        </p:blipFill>
+        <p:spPr>
+          <a:xfrm>
+            <a:off x="17817920" y="11858324"/>
+            <a:ext cx="1208668" cy="1208668"/>
+          </a:xfrm>
+          <a:prstGeom prst="rect">
+            <a:avLst/>
+          </a:prstGeom>
+        </p:spPr>
+      </p:pic>
+      <p:pic>
+        <p:nvPicPr>
+          <p:cNvPr id="3" name="그림 2"/>
+          <p:cNvPicPr>
+            <a:picLocks noChangeAspect="1"/>
+          </p:cNvPicPr>
+          <p:nvPr/>
+        </p:nvPicPr>
+        <p:blipFill>
+          <a:blip r:embed="rId3" cstate="print">
+            <a:extLst>
+              <a:ext uri="{28A0092B-C50C-407E-A947-70E740481C1C}">
+                <a14:useLocalDpi xmlns:a14="http://schemas.microsoft.com/office/drawing/2010/main" val="0"/>
+              </a:ext>
+            </a:extLst>
+          </a:blip>
+          <a:stretch>
+            <a:fillRect/>
+          </a:stretch>
+        </p:blipFill>
+        <p:spPr>
+          <a:xfrm>
+            <a:off x="14769308" y="10943924"/>
+            <a:ext cx="1207948" cy="1207948"/>
+          </a:xfrm>
+          <a:prstGeom prst="rect">
+            <a:avLst/>
+          </a:prstGeom>
+        </p:spPr>
+      </p:pic>
+      <p:pic>
+        <p:nvPicPr>
+          <p:cNvPr id="4" name="그림 3"/>
+          <p:cNvPicPr>
+            <a:picLocks noChangeAspect="1"/>
+          </p:cNvPicPr>
+          <p:nvPr/>
+        </p:nvPicPr>
+        <p:blipFill>
+          <a:blip r:embed="rId4" cstate="print">
+            <a:extLst>
+              <a:ext uri="{28A0092B-C50C-407E-A947-70E740481C1C}">
+                <a14:useLocalDpi xmlns:a14="http://schemas.microsoft.com/office/drawing/2010/main" val="0"/>
+              </a:ext>
+            </a:extLst>
+          </a:blip>
+          <a:stretch>
+            <a:fillRect/>
+          </a:stretch>
+        </p:blipFill>
+        <p:spPr>
+          <a:xfrm>
+            <a:off x="17654752" y="9991395"/>
+            <a:ext cx="1208668" cy="1208668"/>
+          </a:xfrm>
+          <a:prstGeom prst="rect">
+            <a:avLst/>
+          </a:prstGeom>
+        </p:spPr>
+      </p:pic>
+      <p:pic>
+        <p:nvPicPr>
+          <p:cNvPr id="6" name="그림 5"/>
+          <p:cNvPicPr>
+            <a:picLocks noChangeAspect="1"/>
+          </p:cNvPicPr>
+          <p:nvPr/>
+        </p:nvPicPr>
+        <p:blipFill>
+          <a:blip r:embed="rId5" cstate="print">
+            <a:extLst>
+              <a:ext uri="{28A0092B-C50C-407E-A947-70E740481C1C}">
+                <a14:useLocalDpi xmlns:a14="http://schemas.microsoft.com/office/drawing/2010/main" val="0"/>
+              </a:ext>
+            </a:extLst>
+          </a:blip>
+          <a:stretch>
+            <a:fillRect/>
+          </a:stretch>
+        </p:blipFill>
+        <p:spPr>
+          <a:xfrm>
+            <a:off x="20550618" y="10943002"/>
+            <a:ext cx="1208870" cy="1208870"/>
+          </a:xfrm>
+          <a:prstGeom prst="rect">
+            <a:avLst/>
+          </a:prstGeom>
+        </p:spPr>
+      </p:pic>
+      <p:sp>
+        <p:nvSpPr>
+          <p:cNvPr id="11" name="TextBox 10"/>
+          <p:cNvSpPr txBox="1"/>
+          <p:nvPr/>
+        </p:nvSpPr>
+        <p:spPr>
+          <a:xfrm>
+            <a:off x="14562002" y="12151411"/>
+            <a:ext cx="1622560" cy="369460"/>
+          </a:xfrm>
+          <a:prstGeom prst="rect">
+            <a:avLst/>
+          </a:prstGeom>
+          <a:noFill/>
+        </p:spPr>
+        <p:txBody>
+          <a:bodyPr wrap="none" rtlCol="0">
+            <a:spAutoFit/>
+          </a:bodyPr>
+          <a:lstStyle/>
+          <a:p>
+            <a:r>
+              <a:rPr lang="ko-KR" altLang="en-US" smtClean="0"/>
+              <a:t>아날로그 문서</a:t>
+            </a:r>
+            <a:endParaRPr lang="ko-KR" altLang="en-US"/>
+          </a:p>
+        </p:txBody>
+      </p:sp>
+      <p:sp>
+        <p:nvSpPr>
+          <p:cNvPr id="12" name="TextBox 11"/>
+          <p:cNvSpPr txBox="1"/>
+          <p:nvPr/>
+        </p:nvSpPr>
+        <p:spPr>
+          <a:xfrm>
+            <a:off x="17563222" y="13609137"/>
+            <a:ext cx="1391728" cy="369460"/>
+          </a:xfrm>
+          <a:prstGeom prst="rect">
+            <a:avLst/>
+          </a:prstGeom>
+          <a:noFill/>
+        </p:spPr>
+        <p:txBody>
+          <a:bodyPr wrap="none" rtlCol="0">
+            <a:spAutoFit/>
+          </a:bodyPr>
+          <a:lstStyle/>
+          <a:p>
+            <a:r>
+              <a:rPr lang="ko-KR" altLang="en-US" smtClean="0"/>
+              <a:t>디지털 문서</a:t>
+            </a:r>
+            <a:endParaRPr lang="ko-KR" altLang="en-US"/>
+          </a:p>
+        </p:txBody>
+      </p:sp>
+      <p:sp>
+        <p:nvSpPr>
+          <p:cNvPr id="13" name="TextBox 12"/>
+          <p:cNvSpPr txBox="1"/>
+          <p:nvPr/>
+        </p:nvSpPr>
+        <p:spPr>
+          <a:xfrm>
+            <a:off x="20831887" y="12151411"/>
+            <a:ext cx="646331" cy="369460"/>
+          </a:xfrm>
+          <a:prstGeom prst="rect">
+            <a:avLst/>
+          </a:prstGeom>
+          <a:noFill/>
+        </p:spPr>
+        <p:txBody>
+          <a:bodyPr wrap="none" rtlCol="0">
+            <a:spAutoFit/>
+          </a:bodyPr>
+          <a:lstStyle/>
+          <a:p>
+            <a:r>
+              <a:rPr lang="ko-KR" altLang="en-US" smtClean="0"/>
+              <a:t>점자</a:t>
+            </a:r>
+            <a:endParaRPr lang="ko-KR" altLang="en-US"/>
+          </a:p>
+        </p:txBody>
+      </p:sp>
+      <p:sp>
+        <p:nvSpPr>
+          <p:cNvPr id="15" name="직사각형 14"/>
+          <p:cNvSpPr/>
+          <p:nvPr/>
+        </p:nvSpPr>
+        <p:spPr>
+          <a:xfrm>
+            <a:off x="12993004" y="14274479"/>
+            <a:ext cx="10858499" cy="3010221"/>
+          </a:xfrm>
+          <a:prstGeom prst="rect">
+            <a:avLst/>
+          </a:prstGeom>
+          <a:noFill/>
+          <a:ln w="38100">
+            <a:solidFill>
+              <a:srgbClr val="FFD1D1"/>
+            </a:solidFill>
+          </a:ln>
+        </p:spPr>
+        <p:style>
+          <a:lnRef idx="2">
+            <a:schemeClr val="accent1">
+              <a:shade val="50000"/>
+            </a:schemeClr>
+          </a:lnRef>
+          <a:fillRef idx="1">
+            <a:schemeClr val="accent1"/>
+          </a:fillRef>
+          <a:effectRef idx="0">
+            <a:schemeClr val="accent1"/>
+          </a:effectRef>
+          <a:fontRef idx="minor">
+            <a:schemeClr val="lt1"/>
+          </a:fontRef>
+        </p:style>
+        <p:txBody>
+          <a:bodyPr rtlCol="0" anchor="ctr"/>
+          <a:lstStyle/>
+          <a:p>
+            <a:pPr algn="ctr">
+              <a:lnSpc>
+                <a:spcPct val="200000"/>
+              </a:lnSpc>
+            </a:pPr>
+            <a:r>
+              <a:rPr lang="ko-KR" altLang="en-US" sz="2000" b="1" dirty="0">
+                <a:solidFill>
+                  <a:schemeClr val="bg2">
+                    <a:lumMod val="25000"/>
+                  </a:schemeClr>
+                </a:solidFill>
+              </a:rPr>
+              <a:t>디지털 문서를 점자로 번역해주는 점자 정보단말기와 </a:t>
+            </a:r>
+            <a:endParaRPr lang="en-US" altLang="ko-KR" sz="2000" b="1" dirty="0">
+              <a:solidFill>
+                <a:schemeClr val="bg2">
+                  <a:lumMod val="25000"/>
+                </a:schemeClr>
+              </a:solidFill>
+            </a:endParaRPr>
+          </a:p>
+          <a:p>
+            <a:pPr algn="ctr">
+              <a:lnSpc>
+                <a:spcPct val="200000"/>
+              </a:lnSpc>
+            </a:pPr>
+            <a:r>
+              <a:rPr lang="ko-KR" altLang="en-US" sz="2000" b="1" dirty="0">
+                <a:solidFill>
+                  <a:schemeClr val="bg2">
+                    <a:lumMod val="25000"/>
+                  </a:schemeClr>
+                </a:solidFill>
+              </a:rPr>
+              <a:t>직접 찍은 사진을 음성으로 변환해주는 음성 안내기는 있지만</a:t>
+            </a:r>
+            <a:endParaRPr lang="en-US" altLang="ko-KR" sz="2000" b="1" dirty="0">
+              <a:solidFill>
+                <a:schemeClr val="bg2">
+                  <a:lumMod val="25000"/>
+                </a:schemeClr>
+              </a:solidFill>
+            </a:endParaRPr>
+          </a:p>
+          <a:p>
+            <a:pPr algn="ctr">
+              <a:lnSpc>
+                <a:spcPct val="200000"/>
+              </a:lnSpc>
+            </a:pPr>
+            <a:r>
+              <a:rPr lang="ko-KR" altLang="en-US" sz="2000" b="1" dirty="0">
+                <a:solidFill>
+                  <a:schemeClr val="bg2">
+                    <a:lumMod val="25000"/>
+                  </a:schemeClr>
+                </a:solidFill>
+              </a:rPr>
+              <a:t>직접 찍은 사진을 </a:t>
+            </a:r>
+            <a:r>
+              <a:rPr lang="en-US" altLang="ko-KR" sz="2000" b="1" dirty="0">
+                <a:solidFill>
+                  <a:schemeClr val="bg2">
+                    <a:lumMod val="25000"/>
+                  </a:schemeClr>
+                </a:solidFill>
+              </a:rPr>
+              <a:t>OCR </a:t>
+            </a:r>
+            <a:r>
+              <a:rPr lang="ko-KR" altLang="en-US" sz="2000" b="1" dirty="0">
+                <a:solidFill>
+                  <a:schemeClr val="bg2">
+                    <a:lumMod val="25000"/>
+                  </a:schemeClr>
+                </a:solidFill>
+              </a:rPr>
+              <a:t>처리를 </a:t>
+            </a:r>
+            <a:r>
+              <a:rPr lang="ko-KR" altLang="en-US" sz="2000" b="1" dirty="0" smtClean="0">
+                <a:solidFill>
+                  <a:schemeClr val="bg2">
+                    <a:lumMod val="25000"/>
+                  </a:schemeClr>
+                </a:solidFill>
+              </a:rPr>
+              <a:t>통해 실시간으로 점자화하는 기기는 </a:t>
+            </a:r>
+            <a:r>
+              <a:rPr lang="ko-KR" altLang="en-US" sz="2000" b="1" dirty="0">
+                <a:solidFill>
+                  <a:schemeClr val="bg2">
+                    <a:lumMod val="25000"/>
+                  </a:schemeClr>
+                </a:solidFill>
+              </a:rPr>
+              <a:t>없다</a:t>
+            </a:r>
+            <a:r>
+              <a:rPr lang="en-US" altLang="ko-KR" sz="2000" b="1" dirty="0">
+                <a:solidFill>
+                  <a:schemeClr val="bg2">
+                    <a:lumMod val="25000"/>
+                  </a:schemeClr>
+                </a:solidFill>
+              </a:rPr>
+              <a:t>.</a:t>
+            </a:r>
+          </a:p>
+          <a:p>
+            <a:pPr algn="ctr">
+              <a:lnSpc>
+                <a:spcPct val="200000"/>
+              </a:lnSpc>
+            </a:pPr>
+            <a:r>
+              <a:rPr lang="ko-KR" altLang="en-US" sz="2000" b="1" dirty="0">
+                <a:solidFill>
+                  <a:schemeClr val="bg2">
+                    <a:lumMod val="25000"/>
+                  </a:schemeClr>
+                </a:solidFill>
+              </a:rPr>
+              <a:t>본 프로젝트를 통해 시각장애인들이 활자 인쇄된 일반 도서들을 편리하게 읽을 수 있도록 한다</a:t>
+            </a:r>
+            <a:r>
+              <a:rPr lang="en-US" altLang="ko-KR" sz="2000" b="1" dirty="0">
+                <a:solidFill>
+                  <a:schemeClr val="bg2">
+                    <a:lumMod val="25000"/>
+                  </a:schemeClr>
+                </a:solidFill>
+              </a:rPr>
+              <a:t>. </a:t>
+            </a:r>
+            <a:endParaRPr lang="ko-KR" altLang="en-US" sz="2000" b="1" dirty="0">
+              <a:solidFill>
+                <a:schemeClr val="bg2">
+                  <a:lumMod val="25000"/>
+                </a:schemeClr>
+              </a:solidFill>
+            </a:endParaRPr>
+          </a:p>
+        </p:txBody>
+      </p:sp>
+    </p:spTree>
+    <p:extLst>
+      <p:ext uri="{BB962C8B-B14F-4D97-AF65-F5344CB8AC3E}">
+        <p14:creationId xmlns:p14="http://schemas.microsoft.com/office/powerpoint/2010/main" val="1961009378"/>
+      </p:ext>
+    </p:extLst>
+  </p:cSld>
+  <p:clrMapOvr>
+    <a:masterClrMapping/>
+  </p:clrMapOvr>
+</p:sld>
+</file>
+
+<file path=ppt/slides/slide9.xml><?xml version="1.0" encoding="utf-8"?>
+<p:sld xmlns:a="http://schemas.openxmlformats.org/drawingml/2006/main" xmlns:r="http://schemas.openxmlformats.org/officeDocument/2006/relationships" xmlns:p="http://schemas.openxmlformats.org/presentationml/2006/main">
+  <p:cSld>
+    <p:spTree>
+      <p:nvGrpSpPr>
+        <p:cNvPr id="1" name=""/>
+        <p:cNvGrpSpPr/>
+        <p:nvPr/>
+      </p:nvGrpSpPr>
+      <p:grpSpPr>
+        <a:xfrm>
+          <a:off x="0" y="0"/>
+          <a:ext cx="0" cy="0"/>
+          <a:chOff x="0" y="0"/>
+          <a:chExt cx="0" cy="0"/>
+        </a:xfrm>
+      </p:grpSpPr>
       <p:sp>
         <p:nvSpPr>
           <p:cNvPr id="3" name="직사각형 2"/>
@@ -11617,67 +12195,6 @@
     <p:extLst>
       <p:ext uri="{BB962C8B-B14F-4D97-AF65-F5344CB8AC3E}">
         <p14:creationId xmlns:p14="http://schemas.microsoft.com/office/powerpoint/2010/main" val="283414383"/>
-      </p:ext>
-    </p:extLst>
-  </p:cSld>
-  <p:clrMapOvr>
-    <a:masterClrMapping/>
-  </p:clrMapOvr>
-  <p:timing>
-    <p:tnLst>
-      <p:par>
-        <p:cTn id="1" dur="indefinite" restart="never" nodeType="tmRoot"/>
-      </p:par>
-    </p:tnLst>
-  </p:timing>
-</p:sld>
-</file>
-
-<file path=ppt/slides/slide9.xml><?xml version="1.0" encoding="utf-8"?>
-<p:sld xmlns:a="http://schemas.openxmlformats.org/drawingml/2006/main" xmlns:r="http://schemas.openxmlformats.org/officeDocument/2006/relationships" xmlns:p="http://schemas.openxmlformats.org/presentationml/2006/main">
-  <p:cSld>
-    <p:spTree>
-      <p:nvGrpSpPr>
-        <p:cNvPr id="1" name=""/>
-        <p:cNvGrpSpPr/>
-        <p:nvPr/>
-      </p:nvGrpSpPr>
-      <p:grpSpPr>
-        <a:xfrm>
-          <a:off x="0" y="0"/>
-          <a:ext cx="0" cy="0"/>
-          <a:chOff x="0" y="0"/>
-          <a:chExt cx="0" cy="0"/>
-        </a:xfrm>
-      </p:grpSpPr>
-      <p:pic>
-        <p:nvPicPr>
-          <p:cNvPr id="2" name="그림 1"/>
-          <p:cNvPicPr>
-            <a:picLocks noChangeAspect="1"/>
-          </p:cNvPicPr>
-          <p:nvPr/>
-        </p:nvPicPr>
-        <p:blipFill>
-          <a:blip r:embed="rId2"/>
-          <a:stretch>
-            <a:fillRect/>
-          </a:stretch>
-        </p:blipFill>
-        <p:spPr>
-          <a:xfrm>
-            <a:off x="14246238" y="7770020"/>
-            <a:ext cx="10039351" cy="6134099"/>
-          </a:xfrm>
-          <a:prstGeom prst="rect">
-            <a:avLst/>
-          </a:prstGeom>
-        </p:spPr>
-      </p:pic>
-    </p:spTree>
-    <p:extLst>
-      <p:ext uri="{BB962C8B-B14F-4D97-AF65-F5344CB8AC3E}">
-        <p14:creationId xmlns:p14="http://schemas.microsoft.com/office/powerpoint/2010/main" val="2947816228"/>
       </p:ext>
     </p:extLst>
   </p:cSld>

--- a/Document/보고서자료.pptx
+++ b/Document/보고서자료.pptx
@@ -5,7 +5,7 @@
     <p:sldMasterId id="2147483720" r:id="rId1"/>
   </p:sldMasterIdLst>
   <p:notesMasterIdLst>
-    <p:notesMasterId r:id="rId14"/>
+    <p:notesMasterId r:id="rId15"/>
   </p:notesMasterIdLst>
   <p:sldIdLst>
     <p:sldId id="271" r:id="rId2"/>
@@ -20,6 +20,7 @@
     <p:sldId id="268" r:id="rId11"/>
     <p:sldId id="269" r:id="rId12"/>
     <p:sldId id="270" r:id="rId13"/>
+    <p:sldId id="274" r:id="rId14"/>
   </p:sldIdLst>
   <p:sldSz cx="38531800" cy="21674138"/>
   <p:notesSz cx="9144000" cy="6858000"/>
@@ -208,7 +209,7 @@
           <a:p>
             <a:fld id="{DFF3B910-943B-4A7F-8B34-D0B9CEFAFBD4}" type="datetimeFigureOut">
               <a:rPr lang="ko-KR" altLang="en-US" smtClean="0"/>
-              <a:t>2018-08-30</a:t>
+              <a:t>2018-08-31</a:t>
             </a:fld>
             <a:endParaRPr lang="ko-KR" altLang="en-US"/>
           </a:p>
@@ -775,7 +776,7 @@
           <a:p>
             <a:fld id="{9FD04D3B-1451-486C-A1D6-2B6D7F06ED1E}" type="datetimeFigureOut">
               <a:rPr lang="ko-KR" altLang="en-US" smtClean="0"/>
-              <a:t>2018-08-30</a:t>
+              <a:t>2018-08-31</a:t>
             </a:fld>
             <a:endParaRPr lang="ko-KR" altLang="en-US" dirty="0"/>
           </a:p>
@@ -945,7 +946,7 @@
           <a:p>
             <a:fld id="{9FD04D3B-1451-486C-A1D6-2B6D7F06ED1E}" type="datetimeFigureOut">
               <a:rPr lang="ko-KR" altLang="en-US" smtClean="0"/>
-              <a:t>2018-08-30</a:t>
+              <a:t>2018-08-31</a:t>
             </a:fld>
             <a:endParaRPr lang="ko-KR" altLang="en-US" dirty="0"/>
           </a:p>
@@ -1125,7 +1126,7 @@
           <a:p>
             <a:fld id="{9FD04D3B-1451-486C-A1D6-2B6D7F06ED1E}" type="datetimeFigureOut">
               <a:rPr lang="ko-KR" altLang="en-US" smtClean="0"/>
-              <a:t>2018-08-30</a:t>
+              <a:t>2018-08-31</a:t>
             </a:fld>
             <a:endParaRPr lang="ko-KR" altLang="en-US" dirty="0"/>
           </a:p>
@@ -1295,7 +1296,7 @@
           <a:p>
             <a:fld id="{9FD04D3B-1451-486C-A1D6-2B6D7F06ED1E}" type="datetimeFigureOut">
               <a:rPr lang="ko-KR" altLang="en-US" smtClean="0"/>
-              <a:t>2018-08-30</a:t>
+              <a:t>2018-08-31</a:t>
             </a:fld>
             <a:endParaRPr lang="ko-KR" altLang="en-US" dirty="0"/>
           </a:p>
@@ -1541,7 +1542,7 @@
           <a:p>
             <a:fld id="{9FD04D3B-1451-486C-A1D6-2B6D7F06ED1E}" type="datetimeFigureOut">
               <a:rPr lang="ko-KR" altLang="en-US" smtClean="0"/>
-              <a:t>2018-08-30</a:t>
+              <a:t>2018-08-31</a:t>
             </a:fld>
             <a:endParaRPr lang="ko-KR" altLang="en-US" dirty="0"/>
           </a:p>
@@ -1773,7 +1774,7 @@
           <a:p>
             <a:fld id="{9FD04D3B-1451-486C-A1D6-2B6D7F06ED1E}" type="datetimeFigureOut">
               <a:rPr lang="ko-KR" altLang="en-US" smtClean="0"/>
-              <a:t>2018-08-30</a:t>
+              <a:t>2018-08-31</a:t>
             </a:fld>
             <a:endParaRPr lang="ko-KR" altLang="en-US" dirty="0"/>
           </a:p>
@@ -2140,7 +2141,7 @@
           <a:p>
             <a:fld id="{9FD04D3B-1451-486C-A1D6-2B6D7F06ED1E}" type="datetimeFigureOut">
               <a:rPr lang="ko-KR" altLang="en-US" smtClean="0"/>
-              <a:t>2018-08-30</a:t>
+              <a:t>2018-08-31</a:t>
             </a:fld>
             <a:endParaRPr lang="ko-KR" altLang="en-US" dirty="0"/>
           </a:p>
@@ -2258,7 +2259,7 @@
           <a:p>
             <a:fld id="{9FD04D3B-1451-486C-A1D6-2B6D7F06ED1E}" type="datetimeFigureOut">
               <a:rPr lang="ko-KR" altLang="en-US" smtClean="0"/>
-              <a:t>2018-08-30</a:t>
+              <a:t>2018-08-31</a:t>
             </a:fld>
             <a:endParaRPr lang="ko-KR" altLang="en-US" dirty="0"/>
           </a:p>
@@ -2353,7 +2354,7 @@
           <a:p>
             <a:fld id="{9FD04D3B-1451-486C-A1D6-2B6D7F06ED1E}" type="datetimeFigureOut">
               <a:rPr lang="ko-KR" altLang="en-US" smtClean="0"/>
-              <a:t>2018-08-30</a:t>
+              <a:t>2018-08-31</a:t>
             </a:fld>
             <a:endParaRPr lang="ko-KR" altLang="en-US" dirty="0"/>
           </a:p>
@@ -2630,7 +2631,7 @@
           <a:p>
             <a:fld id="{9FD04D3B-1451-486C-A1D6-2B6D7F06ED1E}" type="datetimeFigureOut">
               <a:rPr lang="ko-KR" altLang="en-US" smtClean="0"/>
-              <a:t>2018-08-30</a:t>
+              <a:t>2018-08-31</a:t>
             </a:fld>
             <a:endParaRPr lang="ko-KR" altLang="en-US" dirty="0"/>
           </a:p>
@@ -2887,7 +2888,7 @@
           <a:p>
             <a:fld id="{9FD04D3B-1451-486C-A1D6-2B6D7F06ED1E}" type="datetimeFigureOut">
               <a:rPr lang="ko-KR" altLang="en-US" smtClean="0"/>
-              <a:t>2018-08-30</a:t>
+              <a:t>2018-08-31</a:t>
             </a:fld>
             <a:endParaRPr lang="ko-KR" altLang="en-US" dirty="0"/>
           </a:p>
@@ -3100,7 +3101,7 @@
           <a:p>
             <a:fld id="{9FD04D3B-1451-486C-A1D6-2B6D7F06ED1E}" type="datetimeFigureOut">
               <a:rPr lang="ko-KR" altLang="en-US" smtClean="0"/>
-              <a:t>2018-08-30</a:t>
+              <a:t>2018-08-31</a:t>
             </a:fld>
             <a:endParaRPr lang="ko-KR" altLang="en-US" dirty="0"/>
           </a:p>
@@ -5371,6 +5372,2182 @@
       </p:par>
     </p:tnLst>
   </p:timing>
+</p:sld>
+</file>
+
+<file path=ppt/slides/slide13.xml><?xml version="1.0" encoding="utf-8"?>
+<p:sld xmlns:a="http://schemas.openxmlformats.org/drawingml/2006/main" xmlns:r="http://schemas.openxmlformats.org/officeDocument/2006/relationships" xmlns:p="http://schemas.openxmlformats.org/presentationml/2006/main">
+  <p:cSld>
+    <p:spTree>
+      <p:nvGrpSpPr>
+        <p:cNvPr id="1" name=""/>
+        <p:cNvGrpSpPr/>
+        <p:nvPr/>
+      </p:nvGrpSpPr>
+      <p:grpSpPr>
+        <a:xfrm>
+          <a:off x="0" y="0"/>
+          <a:ext cx="0" cy="0"/>
+          <a:chOff x="0" y="0"/>
+          <a:chExt cx="0" cy="0"/>
+        </a:xfrm>
+      </p:grpSpPr>
+      <p:cxnSp>
+        <p:nvCxnSpPr>
+          <p:cNvPr id="11" name="직선 연결선 10"/>
+          <p:cNvCxnSpPr/>
+          <p:nvPr/>
+        </p:nvCxnSpPr>
+        <p:spPr>
+          <a:xfrm flipV="1">
+            <a:off x="7380514" y="11948616"/>
+            <a:ext cx="20720006" cy="36435"/>
+          </a:xfrm>
+          <a:prstGeom prst="line">
+            <a:avLst/>
+          </a:prstGeom>
+          <a:ln w="76200">
+            <a:solidFill>
+              <a:srgbClr val="FF7C80"/>
+            </a:solidFill>
+          </a:ln>
+        </p:spPr>
+        <p:style>
+          <a:lnRef idx="1">
+            <a:schemeClr val="accent1"/>
+          </a:lnRef>
+          <a:fillRef idx="0">
+            <a:schemeClr val="accent1"/>
+          </a:fillRef>
+          <a:effectRef idx="0">
+            <a:schemeClr val="accent1"/>
+          </a:effectRef>
+          <a:fontRef idx="minor">
+            <a:schemeClr val="tx1"/>
+          </a:fontRef>
+        </p:style>
+      </p:cxnSp>
+      <p:cxnSp>
+        <p:nvCxnSpPr>
+          <p:cNvPr id="19" name="직선 연결선 18"/>
+          <p:cNvCxnSpPr/>
+          <p:nvPr/>
+        </p:nvCxnSpPr>
+        <p:spPr>
+          <a:xfrm>
+            <a:off x="7380514" y="5606143"/>
+            <a:ext cx="20637303" cy="1646"/>
+          </a:xfrm>
+          <a:prstGeom prst="line">
+            <a:avLst/>
+          </a:prstGeom>
+          <a:ln w="76200">
+            <a:solidFill>
+              <a:srgbClr val="FF7C80"/>
+            </a:solidFill>
+          </a:ln>
+        </p:spPr>
+        <p:style>
+          <a:lnRef idx="1">
+            <a:schemeClr val="accent1"/>
+          </a:lnRef>
+          <a:fillRef idx="0">
+            <a:schemeClr val="accent1"/>
+          </a:fillRef>
+          <a:effectRef idx="0">
+            <a:schemeClr val="accent1"/>
+          </a:effectRef>
+          <a:fontRef idx="minor">
+            <a:schemeClr val="tx1"/>
+          </a:fontRef>
+        </p:style>
+      </p:cxnSp>
+      <p:cxnSp>
+        <p:nvCxnSpPr>
+          <p:cNvPr id="21" name="직선 연결선 20"/>
+          <p:cNvCxnSpPr/>
+          <p:nvPr/>
+        </p:nvCxnSpPr>
+        <p:spPr>
+          <a:xfrm>
+            <a:off x="28017817" y="5558939"/>
+            <a:ext cx="48178" cy="6426112"/>
+          </a:xfrm>
+          <a:prstGeom prst="line">
+            <a:avLst/>
+          </a:prstGeom>
+          <a:ln w="76200">
+            <a:solidFill>
+              <a:srgbClr val="FF7C80"/>
+            </a:solidFill>
+          </a:ln>
+        </p:spPr>
+        <p:style>
+          <a:lnRef idx="1">
+            <a:schemeClr val="accent1"/>
+          </a:lnRef>
+          <a:fillRef idx="0">
+            <a:schemeClr val="accent1"/>
+          </a:fillRef>
+          <a:effectRef idx="0">
+            <a:schemeClr val="accent1"/>
+          </a:effectRef>
+          <a:fontRef idx="minor">
+            <a:schemeClr val="tx1"/>
+          </a:fontRef>
+        </p:style>
+      </p:cxnSp>
+      <p:grpSp>
+        <p:nvGrpSpPr>
+          <p:cNvPr id="53" name="그룹 52"/>
+          <p:cNvGrpSpPr/>
+          <p:nvPr/>
+        </p:nvGrpSpPr>
+        <p:grpSpPr>
+          <a:xfrm>
+            <a:off x="6034312" y="2396306"/>
+            <a:ext cx="2692401" cy="3162633"/>
+            <a:chOff x="6034312" y="2396306"/>
+            <a:chExt cx="2692401" cy="3162633"/>
+          </a:xfrm>
+        </p:grpSpPr>
+        <p:grpSp>
+          <p:nvGrpSpPr>
+            <p:cNvPr id="33" name="그룹 32"/>
+            <p:cNvGrpSpPr/>
+            <p:nvPr/>
+          </p:nvGrpSpPr>
+          <p:grpSpPr>
+            <a:xfrm>
+              <a:off x="6034312" y="2768927"/>
+              <a:ext cx="2692401" cy="2790012"/>
+              <a:chOff x="6034312" y="2826437"/>
+              <a:chExt cx="2692401" cy="2790012"/>
+            </a:xfrm>
+          </p:grpSpPr>
+          <p:sp>
+            <p:nvSpPr>
+              <p:cNvPr id="30" name="이등변 삼각형 29"/>
+              <p:cNvSpPr/>
+              <p:nvPr/>
+            </p:nvSpPr>
+            <p:spPr>
+              <a:xfrm flipV="1">
+                <a:off x="6985112" y="4379685"/>
+                <a:ext cx="863600" cy="1236764"/>
+              </a:xfrm>
+              <a:prstGeom prst="triangle">
+                <a:avLst>
+                  <a:gd name="adj" fmla="val 50000"/>
+                </a:avLst>
+              </a:prstGeom>
+              <a:solidFill>
+                <a:schemeClr val="accent3">
+                  <a:lumMod val="20000"/>
+                  <a:lumOff val="80000"/>
+                </a:schemeClr>
+              </a:solidFill>
+              <a:ln>
+                <a:noFill/>
+              </a:ln>
+            </p:spPr>
+            <p:style>
+              <a:lnRef idx="2">
+                <a:schemeClr val="accent1">
+                  <a:shade val="50000"/>
+                </a:schemeClr>
+              </a:lnRef>
+              <a:fillRef idx="1">
+                <a:schemeClr val="accent1"/>
+              </a:fillRef>
+              <a:effectRef idx="0">
+                <a:schemeClr val="accent1"/>
+              </a:effectRef>
+              <a:fontRef idx="minor">
+                <a:schemeClr val="lt1"/>
+              </a:fontRef>
+            </p:style>
+            <p:txBody>
+              <a:bodyPr rtlCol="0" anchor="ctr"/>
+              <a:lstStyle/>
+              <a:p>
+                <a:pPr algn="ctr"/>
+                <a:endParaRPr lang="ko-KR" altLang="en-US"/>
+              </a:p>
+            </p:txBody>
+          </p:sp>
+          <p:sp>
+            <p:nvSpPr>
+              <p:cNvPr id="28" name="모서리가 둥근 직사각형 27"/>
+              <p:cNvSpPr/>
+              <p:nvPr/>
+            </p:nvSpPr>
+            <p:spPr>
+              <a:xfrm>
+                <a:off x="6034312" y="2826437"/>
+                <a:ext cx="2692401" cy="1849702"/>
+              </a:xfrm>
+              <a:prstGeom prst="roundRect">
+                <a:avLst/>
+              </a:prstGeom>
+              <a:solidFill>
+                <a:schemeClr val="accent3">
+                  <a:lumMod val="20000"/>
+                  <a:lumOff val="80000"/>
+                </a:schemeClr>
+              </a:solidFill>
+              <a:ln>
+                <a:noFill/>
+              </a:ln>
+            </p:spPr>
+            <p:style>
+              <a:lnRef idx="2">
+                <a:schemeClr val="accent1">
+                  <a:shade val="50000"/>
+                </a:schemeClr>
+              </a:lnRef>
+              <a:fillRef idx="1">
+                <a:schemeClr val="accent1"/>
+              </a:fillRef>
+              <a:effectRef idx="0">
+                <a:schemeClr val="accent1"/>
+              </a:effectRef>
+              <a:fontRef idx="minor">
+                <a:schemeClr val="lt1"/>
+              </a:fontRef>
+            </p:style>
+            <p:txBody>
+              <a:bodyPr rtlCol="0" anchor="ctr"/>
+              <a:lstStyle/>
+              <a:p>
+                <a:pPr algn="ctr"/>
+                <a:endParaRPr lang="ko-KR" altLang="en-US" dirty="0"/>
+              </a:p>
+            </p:txBody>
+          </p:sp>
+        </p:grpSp>
+        <p:pic>
+          <p:nvPicPr>
+            <p:cNvPr id="31" name="그림 30"/>
+            <p:cNvPicPr>
+              <a:picLocks noChangeAspect="1"/>
+            </p:cNvPicPr>
+            <p:nvPr/>
+          </p:nvPicPr>
+          <p:blipFill>
+            <a:blip r:embed="rId2" cstate="print">
+              <a:extLst>
+                <a:ext uri="{28A0092B-C50C-407E-A947-70E740481C1C}">
+                  <a14:useLocalDpi xmlns:a14="http://schemas.microsoft.com/office/drawing/2010/main" val="0"/>
+                </a:ext>
+              </a:extLst>
+            </a:blip>
+            <a:stretch>
+              <a:fillRect/>
+            </a:stretch>
+          </p:blipFill>
+          <p:spPr>
+            <a:xfrm>
+              <a:off x="6587794" y="2396306"/>
+              <a:ext cx="1658235" cy="1658235"/>
+            </a:xfrm>
+            <a:prstGeom prst="rect">
+              <a:avLst/>
+            </a:prstGeom>
+          </p:spPr>
+        </p:pic>
+        <p:sp>
+          <p:nvSpPr>
+            <p:cNvPr id="32" name="TextBox 31"/>
+            <p:cNvSpPr txBox="1"/>
+            <p:nvPr/>
+          </p:nvSpPr>
+          <p:spPr>
+            <a:xfrm>
+              <a:off x="6569233" y="4081133"/>
+              <a:ext cx="1622560" cy="369460"/>
+            </a:xfrm>
+            <a:prstGeom prst="rect">
+              <a:avLst/>
+            </a:prstGeom>
+            <a:noFill/>
+          </p:spPr>
+          <p:txBody>
+            <a:bodyPr wrap="none" rtlCol="0">
+              <a:spAutoFit/>
+            </a:bodyPr>
+            <a:lstStyle/>
+            <a:p>
+              <a:r>
+                <a:rPr lang="ko-KR" altLang="en-US" dirty="0" smtClean="0"/>
+                <a:t>텍스트 이미지</a:t>
+              </a:r>
+              <a:endParaRPr lang="ko-KR" altLang="en-US" dirty="0"/>
+            </a:p>
+          </p:txBody>
+        </p:sp>
+      </p:grpSp>
+      <p:grpSp>
+        <p:nvGrpSpPr>
+          <p:cNvPr id="34" name="그룹 33"/>
+          <p:cNvGrpSpPr/>
+          <p:nvPr/>
+        </p:nvGrpSpPr>
+        <p:grpSpPr>
+          <a:xfrm>
+            <a:off x="11227254" y="2768927"/>
+            <a:ext cx="2692401" cy="2790012"/>
+            <a:chOff x="6034312" y="2826437"/>
+            <a:chExt cx="2692401" cy="2790012"/>
+          </a:xfrm>
+          <a:solidFill>
+            <a:schemeClr val="accent5">
+              <a:lumMod val="20000"/>
+              <a:lumOff val="80000"/>
+            </a:schemeClr>
+          </a:solidFill>
+        </p:grpSpPr>
+        <p:sp>
+          <p:nvSpPr>
+            <p:cNvPr id="35" name="이등변 삼각형 34"/>
+            <p:cNvSpPr/>
+            <p:nvPr/>
+          </p:nvSpPr>
+          <p:spPr>
+            <a:xfrm flipV="1">
+              <a:off x="6985112" y="4379685"/>
+              <a:ext cx="863600" cy="1236764"/>
+            </a:xfrm>
+            <a:prstGeom prst="triangle">
+              <a:avLst>
+                <a:gd name="adj" fmla="val 50000"/>
+              </a:avLst>
+            </a:prstGeom>
+            <a:grpFill/>
+            <a:ln>
+              <a:noFill/>
+            </a:ln>
+          </p:spPr>
+          <p:style>
+            <a:lnRef idx="2">
+              <a:schemeClr val="accent1">
+                <a:shade val="50000"/>
+              </a:schemeClr>
+            </a:lnRef>
+            <a:fillRef idx="1">
+              <a:schemeClr val="accent1"/>
+            </a:fillRef>
+            <a:effectRef idx="0">
+              <a:schemeClr val="accent1"/>
+            </a:effectRef>
+            <a:fontRef idx="minor">
+              <a:schemeClr val="lt1"/>
+            </a:fontRef>
+          </p:style>
+          <p:txBody>
+            <a:bodyPr rtlCol="0" anchor="ctr"/>
+            <a:lstStyle/>
+            <a:p>
+              <a:pPr algn="ctr"/>
+              <a:endParaRPr lang="ko-KR" altLang="en-US"/>
+            </a:p>
+          </p:txBody>
+        </p:sp>
+        <p:sp>
+          <p:nvSpPr>
+            <p:cNvPr id="36" name="모서리가 둥근 직사각형 35"/>
+            <p:cNvSpPr/>
+            <p:nvPr/>
+          </p:nvSpPr>
+          <p:spPr>
+            <a:xfrm>
+              <a:off x="6034312" y="2826437"/>
+              <a:ext cx="2692401" cy="1849702"/>
+            </a:xfrm>
+            <a:prstGeom prst="roundRect">
+              <a:avLst/>
+            </a:prstGeom>
+            <a:grpFill/>
+            <a:ln>
+              <a:noFill/>
+            </a:ln>
+          </p:spPr>
+          <p:style>
+            <a:lnRef idx="2">
+              <a:schemeClr val="accent1">
+                <a:shade val="50000"/>
+              </a:schemeClr>
+            </a:lnRef>
+            <a:fillRef idx="1">
+              <a:schemeClr val="accent1"/>
+            </a:fillRef>
+            <a:effectRef idx="0">
+              <a:schemeClr val="accent1"/>
+            </a:effectRef>
+            <a:fontRef idx="minor">
+              <a:schemeClr val="lt1"/>
+            </a:fontRef>
+          </p:style>
+          <p:txBody>
+            <a:bodyPr rtlCol="0" anchor="ctr"/>
+            <a:lstStyle/>
+            <a:p>
+              <a:pPr algn="ctr"/>
+              <a:r>
+                <a:rPr lang="en-US" altLang="ko-KR" sz="2400" dirty="0" smtClean="0">
+                  <a:solidFill>
+                    <a:schemeClr val="bg1">
+                      <a:lumMod val="50000"/>
+                    </a:schemeClr>
+                  </a:solidFill>
+                </a:rPr>
+                <a:t>OpenCV</a:t>
+              </a:r>
+              <a:r>
+                <a:rPr lang="ko-KR" altLang="en-US" sz="2400" dirty="0" smtClean="0">
+                  <a:solidFill>
+                    <a:schemeClr val="bg1">
+                      <a:lumMod val="50000"/>
+                    </a:schemeClr>
+                  </a:solidFill>
+                </a:rPr>
+                <a:t>를 이용해 노이즈제거 및</a:t>
+              </a:r>
+              <a:endParaRPr lang="en-US" altLang="ko-KR" sz="2400" dirty="0">
+                <a:solidFill>
+                  <a:schemeClr val="bg1">
+                    <a:lumMod val="50000"/>
+                  </a:schemeClr>
+                </a:solidFill>
+              </a:endParaRPr>
+            </a:p>
+            <a:p>
+              <a:pPr algn="ctr"/>
+              <a:r>
+                <a:rPr lang="ko-KR" altLang="en-US" sz="2400" dirty="0" smtClean="0">
+                  <a:solidFill>
+                    <a:schemeClr val="bg1">
+                      <a:lumMod val="50000"/>
+                    </a:schemeClr>
+                  </a:solidFill>
+                </a:rPr>
+                <a:t> 영상 추출</a:t>
+              </a:r>
+              <a:endParaRPr lang="ko-KR" altLang="en-US" sz="2400" dirty="0">
+                <a:solidFill>
+                  <a:schemeClr val="bg1">
+                    <a:lumMod val="50000"/>
+                  </a:schemeClr>
+                </a:solidFill>
+              </a:endParaRPr>
+            </a:p>
+          </p:txBody>
+        </p:sp>
+      </p:grpSp>
+      <p:grpSp>
+        <p:nvGrpSpPr>
+          <p:cNvPr id="52" name="그룹 51"/>
+          <p:cNvGrpSpPr/>
+          <p:nvPr/>
+        </p:nvGrpSpPr>
+        <p:grpSpPr>
+          <a:xfrm>
+            <a:off x="17164705" y="2396306"/>
+            <a:ext cx="2692401" cy="3107795"/>
+            <a:chOff x="13393513" y="2477736"/>
+            <a:chExt cx="2692401" cy="3107795"/>
+          </a:xfrm>
+        </p:grpSpPr>
+        <p:grpSp>
+          <p:nvGrpSpPr>
+            <p:cNvPr id="37" name="그룹 36"/>
+            <p:cNvGrpSpPr/>
+            <p:nvPr/>
+          </p:nvGrpSpPr>
+          <p:grpSpPr>
+            <a:xfrm>
+              <a:off x="13393513" y="2795519"/>
+              <a:ext cx="2692401" cy="2790012"/>
+              <a:chOff x="6034312" y="2826437"/>
+              <a:chExt cx="2692401" cy="2790012"/>
+            </a:xfrm>
+            <a:solidFill>
+              <a:schemeClr val="accent5">
+                <a:lumMod val="20000"/>
+                <a:lumOff val="80000"/>
+              </a:schemeClr>
+            </a:solidFill>
+          </p:grpSpPr>
+          <p:sp>
+            <p:nvSpPr>
+              <p:cNvPr id="38" name="이등변 삼각형 37"/>
+              <p:cNvSpPr/>
+              <p:nvPr/>
+            </p:nvSpPr>
+            <p:spPr>
+              <a:xfrm flipV="1">
+                <a:off x="6985112" y="4379685"/>
+                <a:ext cx="863600" cy="1236764"/>
+              </a:xfrm>
+              <a:prstGeom prst="triangle">
+                <a:avLst>
+                  <a:gd name="adj" fmla="val 50000"/>
+                </a:avLst>
+              </a:prstGeom>
+              <a:grpFill/>
+              <a:ln>
+                <a:noFill/>
+              </a:ln>
+            </p:spPr>
+            <p:style>
+              <a:lnRef idx="2">
+                <a:schemeClr val="accent1">
+                  <a:shade val="50000"/>
+                </a:schemeClr>
+              </a:lnRef>
+              <a:fillRef idx="1">
+                <a:schemeClr val="accent1"/>
+              </a:fillRef>
+              <a:effectRef idx="0">
+                <a:schemeClr val="accent1"/>
+              </a:effectRef>
+              <a:fontRef idx="minor">
+                <a:schemeClr val="lt1"/>
+              </a:fontRef>
+            </p:style>
+            <p:txBody>
+              <a:bodyPr rtlCol="0" anchor="ctr"/>
+              <a:lstStyle/>
+              <a:p>
+                <a:pPr algn="ctr"/>
+                <a:endParaRPr lang="ko-KR" altLang="en-US"/>
+              </a:p>
+            </p:txBody>
+          </p:sp>
+          <p:sp>
+            <p:nvSpPr>
+              <p:cNvPr id="39" name="모서리가 둥근 직사각형 38"/>
+              <p:cNvSpPr/>
+              <p:nvPr/>
+            </p:nvSpPr>
+            <p:spPr>
+              <a:xfrm>
+                <a:off x="6034312" y="2826437"/>
+                <a:ext cx="2692401" cy="1849702"/>
+              </a:xfrm>
+              <a:prstGeom prst="roundRect">
+                <a:avLst/>
+              </a:prstGeom>
+              <a:grpFill/>
+              <a:ln>
+                <a:noFill/>
+              </a:ln>
+            </p:spPr>
+            <p:style>
+              <a:lnRef idx="2">
+                <a:schemeClr val="accent1">
+                  <a:shade val="50000"/>
+                </a:schemeClr>
+              </a:lnRef>
+              <a:fillRef idx="1">
+                <a:schemeClr val="accent1"/>
+              </a:fillRef>
+              <a:effectRef idx="0">
+                <a:schemeClr val="accent1"/>
+              </a:effectRef>
+              <a:fontRef idx="minor">
+                <a:schemeClr val="lt1"/>
+              </a:fontRef>
+            </p:style>
+            <p:txBody>
+              <a:bodyPr rtlCol="0" anchor="ctr"/>
+              <a:lstStyle/>
+              <a:p>
+                <a:pPr algn="ctr"/>
+                <a:r>
+                  <a:rPr lang="en-US" altLang="ko-KR" sz="2400" dirty="0" smtClean="0">
+                    <a:solidFill>
+                      <a:schemeClr val="bg1">
+                        <a:lumMod val="50000"/>
+                      </a:schemeClr>
+                    </a:solidFill>
+                  </a:rPr>
+                  <a:t>OpenCV</a:t>
+                </a:r>
+              </a:p>
+              <a:p>
+                <a:pPr algn="ctr"/>
+                <a:r>
+                  <a:rPr lang="en-US" altLang="ko-KR" sz="2400" dirty="0" smtClean="0">
+                    <a:solidFill>
+                      <a:schemeClr val="bg1">
+                        <a:lumMod val="50000"/>
+                      </a:schemeClr>
+                    </a:solidFill>
+                  </a:rPr>
+                  <a:t>Tesseract</a:t>
+                </a:r>
+              </a:p>
+              <a:p>
+                <a:pPr algn="ctr"/>
+                <a:r>
+                  <a:rPr lang="en-US" altLang="ko-KR" sz="2400" dirty="0" smtClean="0">
+                    <a:solidFill>
+                      <a:schemeClr val="bg1">
+                        <a:lumMod val="50000"/>
+                      </a:schemeClr>
+                    </a:solidFill>
+                  </a:rPr>
+                  <a:t>Leptonica</a:t>
+                </a:r>
+                <a:endParaRPr lang="ko-KR" altLang="en-US" sz="2400" dirty="0">
+                  <a:solidFill>
+                    <a:schemeClr val="bg1">
+                      <a:lumMod val="50000"/>
+                    </a:schemeClr>
+                  </a:solidFill>
+                </a:endParaRPr>
+              </a:p>
+            </p:txBody>
+          </p:sp>
+        </p:grpSp>
+        <p:sp>
+          <p:nvSpPr>
+            <p:cNvPr id="40" name="모서리가 둥근 직사각형 39"/>
+            <p:cNvSpPr/>
+            <p:nvPr/>
+          </p:nvSpPr>
+          <p:spPr>
+            <a:xfrm>
+              <a:off x="13998069" y="2477736"/>
+              <a:ext cx="1556087" cy="582382"/>
+            </a:xfrm>
+            <a:prstGeom prst="roundRect">
+              <a:avLst/>
+            </a:prstGeom>
+            <a:solidFill>
+              <a:srgbClr val="FF9393"/>
+            </a:solidFill>
+            <a:ln>
+              <a:noFill/>
+            </a:ln>
+          </p:spPr>
+          <p:style>
+            <a:lnRef idx="2">
+              <a:schemeClr val="accent1">
+                <a:shade val="50000"/>
+              </a:schemeClr>
+            </a:lnRef>
+            <a:fillRef idx="1">
+              <a:schemeClr val="accent1"/>
+            </a:fillRef>
+            <a:effectRef idx="0">
+              <a:schemeClr val="accent1"/>
+            </a:effectRef>
+            <a:fontRef idx="minor">
+              <a:schemeClr val="lt1"/>
+            </a:fontRef>
+          </p:style>
+          <p:txBody>
+            <a:bodyPr rtlCol="0" anchor="ctr"/>
+            <a:lstStyle/>
+            <a:p>
+              <a:pPr algn="ctr"/>
+              <a:r>
+                <a:rPr lang="en-US" altLang="ko-KR" sz="2400" b="1" dirty="0" smtClean="0"/>
+                <a:t>OCR  </a:t>
+              </a:r>
+              <a:r>
+                <a:rPr lang="ko-KR" altLang="en-US" sz="2400" b="1" dirty="0" smtClean="0"/>
+                <a:t>작업</a:t>
+              </a:r>
+              <a:endParaRPr lang="ko-KR" altLang="en-US" sz="2400" b="1" dirty="0"/>
+            </a:p>
+          </p:txBody>
+        </p:sp>
+      </p:grpSp>
+      <p:grpSp>
+        <p:nvGrpSpPr>
+          <p:cNvPr id="51" name="그룹 50"/>
+          <p:cNvGrpSpPr/>
+          <p:nvPr/>
+        </p:nvGrpSpPr>
+        <p:grpSpPr>
+          <a:xfrm>
+            <a:off x="23786597" y="2396306"/>
+            <a:ext cx="2692401" cy="3190057"/>
+            <a:chOff x="17036714" y="2373537"/>
+            <a:chExt cx="2692401" cy="3190057"/>
+          </a:xfrm>
+        </p:grpSpPr>
+        <p:grpSp>
+          <p:nvGrpSpPr>
+            <p:cNvPr id="42" name="그룹 41"/>
+            <p:cNvGrpSpPr/>
+            <p:nvPr/>
+          </p:nvGrpSpPr>
+          <p:grpSpPr>
+            <a:xfrm>
+              <a:off x="17036714" y="2773582"/>
+              <a:ext cx="2692401" cy="2790012"/>
+              <a:chOff x="6034312" y="2826437"/>
+              <a:chExt cx="2692401" cy="2790012"/>
+            </a:xfrm>
+          </p:grpSpPr>
+          <p:sp>
+            <p:nvSpPr>
+              <p:cNvPr id="43" name="이등변 삼각형 42"/>
+              <p:cNvSpPr/>
+              <p:nvPr/>
+            </p:nvSpPr>
+            <p:spPr>
+              <a:xfrm flipV="1">
+                <a:off x="6985112" y="4379685"/>
+                <a:ext cx="863600" cy="1236764"/>
+              </a:xfrm>
+              <a:prstGeom prst="triangle">
+                <a:avLst>
+                  <a:gd name="adj" fmla="val 50000"/>
+                </a:avLst>
+              </a:prstGeom>
+              <a:solidFill>
+                <a:schemeClr val="accent3">
+                  <a:lumMod val="20000"/>
+                  <a:lumOff val="80000"/>
+                </a:schemeClr>
+              </a:solidFill>
+              <a:ln>
+                <a:noFill/>
+              </a:ln>
+            </p:spPr>
+            <p:style>
+              <a:lnRef idx="2">
+                <a:schemeClr val="accent1">
+                  <a:shade val="50000"/>
+                </a:schemeClr>
+              </a:lnRef>
+              <a:fillRef idx="1">
+                <a:schemeClr val="accent1"/>
+              </a:fillRef>
+              <a:effectRef idx="0">
+                <a:schemeClr val="accent1"/>
+              </a:effectRef>
+              <a:fontRef idx="minor">
+                <a:schemeClr val="lt1"/>
+              </a:fontRef>
+            </p:style>
+            <p:txBody>
+              <a:bodyPr rtlCol="0" anchor="ctr"/>
+              <a:lstStyle/>
+              <a:p>
+                <a:pPr algn="ctr"/>
+                <a:endParaRPr lang="ko-KR" altLang="en-US"/>
+              </a:p>
+            </p:txBody>
+          </p:sp>
+          <p:sp>
+            <p:nvSpPr>
+              <p:cNvPr id="44" name="모서리가 둥근 직사각형 43"/>
+              <p:cNvSpPr/>
+              <p:nvPr/>
+            </p:nvSpPr>
+            <p:spPr>
+              <a:xfrm>
+                <a:off x="6034312" y="2826437"/>
+                <a:ext cx="2692401" cy="1849702"/>
+              </a:xfrm>
+              <a:prstGeom prst="roundRect">
+                <a:avLst/>
+              </a:prstGeom>
+              <a:solidFill>
+                <a:schemeClr val="accent3">
+                  <a:lumMod val="20000"/>
+                  <a:lumOff val="80000"/>
+                </a:schemeClr>
+              </a:solidFill>
+              <a:ln>
+                <a:noFill/>
+              </a:ln>
+            </p:spPr>
+            <p:style>
+              <a:lnRef idx="2">
+                <a:schemeClr val="accent1">
+                  <a:shade val="50000"/>
+                </a:schemeClr>
+              </a:lnRef>
+              <a:fillRef idx="1">
+                <a:schemeClr val="accent1"/>
+              </a:fillRef>
+              <a:effectRef idx="0">
+                <a:schemeClr val="accent1"/>
+              </a:effectRef>
+              <a:fontRef idx="minor">
+                <a:schemeClr val="lt1"/>
+              </a:fontRef>
+            </p:style>
+            <p:txBody>
+              <a:bodyPr rtlCol="0" anchor="ctr"/>
+              <a:lstStyle/>
+              <a:p>
+                <a:pPr algn="ctr"/>
+                <a:endParaRPr lang="ko-KR" altLang="en-US" dirty="0"/>
+              </a:p>
+            </p:txBody>
+          </p:sp>
+        </p:grpSp>
+        <p:pic>
+          <p:nvPicPr>
+            <p:cNvPr id="41" name="그림 40"/>
+            <p:cNvPicPr>
+              <a:picLocks noChangeAspect="1"/>
+            </p:cNvPicPr>
+            <p:nvPr/>
+          </p:nvPicPr>
+          <p:blipFill>
+            <a:blip r:embed="rId3" cstate="print">
+              <a:extLst>
+                <a:ext uri="{28A0092B-C50C-407E-A947-70E740481C1C}">
+                  <a14:useLocalDpi xmlns:a14="http://schemas.microsoft.com/office/drawing/2010/main" val="0"/>
+                </a:ext>
+              </a:extLst>
+            </a:blip>
+            <a:stretch>
+              <a:fillRect/>
+            </a:stretch>
+          </p:blipFill>
+          <p:spPr>
+            <a:xfrm>
+              <a:off x="17733703" y="2373537"/>
+              <a:ext cx="1661165" cy="1661165"/>
+            </a:xfrm>
+            <a:prstGeom prst="rect">
+              <a:avLst/>
+            </a:prstGeom>
+          </p:spPr>
+        </p:pic>
+        <p:sp>
+          <p:nvSpPr>
+            <p:cNvPr id="45" name="TextBox 44"/>
+            <p:cNvSpPr txBox="1"/>
+            <p:nvPr/>
+          </p:nvSpPr>
+          <p:spPr>
+            <a:xfrm>
+              <a:off x="17237868" y="4077773"/>
+              <a:ext cx="2362891" cy="400110"/>
+            </a:xfrm>
+            <a:prstGeom prst="rect">
+              <a:avLst/>
+            </a:prstGeom>
+            <a:noFill/>
+          </p:spPr>
+          <p:txBody>
+            <a:bodyPr wrap="none" rtlCol="0">
+              <a:spAutoFit/>
+            </a:bodyPr>
+            <a:lstStyle/>
+            <a:p>
+              <a:r>
+                <a:rPr lang="en-US" altLang="ko-KR" sz="2000" dirty="0" smtClean="0"/>
+                <a:t>OCR </a:t>
+              </a:r>
+              <a:r>
+                <a:rPr lang="ko-KR" altLang="en-US" sz="2000" dirty="0" smtClean="0"/>
+                <a:t>처리된 </a:t>
+              </a:r>
+              <a:r>
+                <a:rPr lang="en-US" altLang="ko-KR" sz="2000" dirty="0" smtClean="0"/>
+                <a:t>Text File</a:t>
+              </a:r>
+              <a:endParaRPr lang="ko-KR" altLang="en-US" sz="2000" dirty="0"/>
+            </a:p>
+          </p:txBody>
+        </p:sp>
+      </p:grpSp>
+      <p:grpSp>
+        <p:nvGrpSpPr>
+          <p:cNvPr id="50" name="그룹 49"/>
+          <p:cNvGrpSpPr/>
+          <p:nvPr/>
+        </p:nvGrpSpPr>
+        <p:grpSpPr>
+          <a:xfrm>
+            <a:off x="21521493" y="8829095"/>
+            <a:ext cx="2692401" cy="3107795"/>
+            <a:chOff x="20679915" y="2477736"/>
+            <a:chExt cx="2692401" cy="3107795"/>
+          </a:xfrm>
+        </p:grpSpPr>
+        <p:grpSp>
+          <p:nvGrpSpPr>
+            <p:cNvPr id="46" name="그룹 45"/>
+            <p:cNvGrpSpPr/>
+            <p:nvPr/>
+          </p:nvGrpSpPr>
+          <p:grpSpPr>
+            <a:xfrm>
+              <a:off x="20679915" y="2795519"/>
+              <a:ext cx="2692401" cy="2790012"/>
+              <a:chOff x="6034312" y="2826437"/>
+              <a:chExt cx="2692401" cy="2790012"/>
+            </a:xfrm>
+            <a:solidFill>
+              <a:schemeClr val="accent5">
+                <a:lumMod val="20000"/>
+                <a:lumOff val="80000"/>
+              </a:schemeClr>
+            </a:solidFill>
+          </p:grpSpPr>
+          <p:sp>
+            <p:nvSpPr>
+              <p:cNvPr id="47" name="이등변 삼각형 46"/>
+              <p:cNvSpPr/>
+              <p:nvPr/>
+            </p:nvSpPr>
+            <p:spPr>
+              <a:xfrm flipV="1">
+                <a:off x="6985112" y="4379685"/>
+                <a:ext cx="863600" cy="1236764"/>
+              </a:xfrm>
+              <a:prstGeom prst="triangle">
+                <a:avLst>
+                  <a:gd name="adj" fmla="val 50000"/>
+                </a:avLst>
+              </a:prstGeom>
+              <a:grpFill/>
+              <a:ln>
+                <a:noFill/>
+              </a:ln>
+            </p:spPr>
+            <p:style>
+              <a:lnRef idx="2">
+                <a:schemeClr val="accent1">
+                  <a:shade val="50000"/>
+                </a:schemeClr>
+              </a:lnRef>
+              <a:fillRef idx="1">
+                <a:schemeClr val="accent1"/>
+              </a:fillRef>
+              <a:effectRef idx="0">
+                <a:schemeClr val="accent1"/>
+              </a:effectRef>
+              <a:fontRef idx="minor">
+                <a:schemeClr val="lt1"/>
+              </a:fontRef>
+            </p:style>
+            <p:txBody>
+              <a:bodyPr rtlCol="0" anchor="ctr"/>
+              <a:lstStyle/>
+              <a:p>
+                <a:pPr algn="ctr"/>
+                <a:endParaRPr lang="ko-KR" altLang="en-US"/>
+              </a:p>
+            </p:txBody>
+          </p:sp>
+          <p:sp>
+            <p:nvSpPr>
+              <p:cNvPr id="48" name="모서리가 둥근 직사각형 47"/>
+              <p:cNvSpPr/>
+              <p:nvPr/>
+            </p:nvSpPr>
+            <p:spPr>
+              <a:xfrm>
+                <a:off x="6034312" y="2826437"/>
+                <a:ext cx="2692401" cy="1849702"/>
+              </a:xfrm>
+              <a:prstGeom prst="roundRect">
+                <a:avLst/>
+              </a:prstGeom>
+              <a:grpFill/>
+              <a:ln>
+                <a:noFill/>
+              </a:ln>
+            </p:spPr>
+            <p:style>
+              <a:lnRef idx="2">
+                <a:schemeClr val="accent1">
+                  <a:shade val="50000"/>
+                </a:schemeClr>
+              </a:lnRef>
+              <a:fillRef idx="1">
+                <a:schemeClr val="accent1"/>
+              </a:fillRef>
+              <a:effectRef idx="0">
+                <a:schemeClr val="accent1"/>
+              </a:effectRef>
+              <a:fontRef idx="minor">
+                <a:schemeClr val="lt1"/>
+              </a:fontRef>
+            </p:style>
+            <p:txBody>
+              <a:bodyPr rtlCol="0" anchor="ctr"/>
+              <a:lstStyle/>
+              <a:p>
+                <a:pPr algn="ctr"/>
+                <a:endParaRPr lang="en-US" altLang="ko-KR" sz="2400" dirty="0" smtClean="0">
+                  <a:solidFill>
+                    <a:schemeClr val="bg1">
+                      <a:lumMod val="50000"/>
+                    </a:schemeClr>
+                  </a:solidFill>
+                </a:endParaRPr>
+              </a:p>
+              <a:p>
+                <a:pPr algn="ctr"/>
+                <a:r>
+                  <a:rPr lang="ko-KR" altLang="en-US" sz="2400" dirty="0" smtClean="0">
+                    <a:solidFill>
+                      <a:schemeClr val="bg1">
+                        <a:lumMod val="50000"/>
+                      </a:schemeClr>
+                    </a:solidFill>
+                  </a:rPr>
+                  <a:t>가 </a:t>
+                </a:r>
+                <a:r>
+                  <a:rPr lang="en-US" altLang="ko-KR" sz="2400" dirty="0" smtClean="0">
+                    <a:solidFill>
+                      <a:schemeClr val="bg1">
+                        <a:lumMod val="50000"/>
+                      </a:schemeClr>
+                    </a:solidFill>
+                  </a:rPr>
+                  <a:t>– 0xAC00</a:t>
+                </a:r>
+              </a:p>
+              <a:p>
+                <a:pPr algn="ctr"/>
+                <a:r>
+                  <a:rPr lang="ko-KR" altLang="en-US" sz="2400" dirty="0" smtClean="0">
+                    <a:solidFill>
+                      <a:schemeClr val="bg1">
+                        <a:lumMod val="50000"/>
+                      </a:schemeClr>
+                    </a:solidFill>
+                  </a:rPr>
+                  <a:t>나</a:t>
+                </a:r>
+                <a:r>
+                  <a:rPr lang="en-US" altLang="ko-KR" sz="2400" dirty="0" smtClean="0">
+                    <a:solidFill>
+                      <a:schemeClr val="bg1">
+                        <a:lumMod val="50000"/>
+                      </a:schemeClr>
+                    </a:solidFill>
+                  </a:rPr>
+                  <a:t>– 0xB098</a:t>
+                </a:r>
+                <a:endParaRPr lang="en-US" altLang="ko-KR" sz="2400" b="1" dirty="0" smtClean="0">
+                  <a:solidFill>
+                    <a:schemeClr val="bg1">
+                      <a:lumMod val="50000"/>
+                    </a:schemeClr>
+                  </a:solidFill>
+                </a:endParaRPr>
+              </a:p>
+              <a:p>
+                <a:pPr algn="ctr"/>
+                <a:r>
+                  <a:rPr lang="en-US" altLang="ko-KR" sz="2400" b="1" dirty="0" smtClean="0">
+                    <a:solidFill>
+                      <a:schemeClr val="bg1">
+                        <a:lumMod val="50000"/>
+                      </a:schemeClr>
+                    </a:solidFill>
+                  </a:rPr>
+                  <a:t>…</a:t>
+                </a:r>
+                <a:endParaRPr lang="ko-KR" altLang="en-US" sz="2400" b="1" dirty="0">
+                  <a:solidFill>
+                    <a:schemeClr val="bg1">
+                      <a:lumMod val="50000"/>
+                    </a:schemeClr>
+                  </a:solidFill>
+                </a:endParaRPr>
+              </a:p>
+            </p:txBody>
+          </p:sp>
+        </p:grpSp>
+        <p:sp>
+          <p:nvSpPr>
+            <p:cNvPr id="49" name="모서리가 둥근 직사각형 48"/>
+            <p:cNvSpPr/>
+            <p:nvPr/>
+          </p:nvSpPr>
+          <p:spPr>
+            <a:xfrm>
+              <a:off x="21018592" y="2477736"/>
+              <a:ext cx="2087845" cy="582382"/>
+            </a:xfrm>
+            <a:prstGeom prst="roundRect">
+              <a:avLst/>
+            </a:prstGeom>
+            <a:solidFill>
+              <a:srgbClr val="FF9393"/>
+            </a:solidFill>
+            <a:ln>
+              <a:noFill/>
+            </a:ln>
+          </p:spPr>
+          <p:style>
+            <a:lnRef idx="2">
+              <a:schemeClr val="accent1">
+                <a:shade val="50000"/>
+              </a:schemeClr>
+            </a:lnRef>
+            <a:fillRef idx="1">
+              <a:schemeClr val="accent1"/>
+            </a:fillRef>
+            <a:effectRef idx="0">
+              <a:schemeClr val="accent1"/>
+            </a:effectRef>
+            <a:fontRef idx="minor">
+              <a:schemeClr val="lt1"/>
+            </a:fontRef>
+          </p:style>
+          <p:txBody>
+            <a:bodyPr rtlCol="0" anchor="ctr"/>
+            <a:lstStyle/>
+            <a:p>
+              <a:pPr algn="ctr"/>
+              <a:r>
+                <a:rPr lang="en-US" altLang="ko-KR" sz="2400" b="1" dirty="0" smtClean="0"/>
+                <a:t>Unicode</a:t>
+              </a:r>
+              <a:r>
+                <a:rPr lang="ko-KR" altLang="en-US" sz="2400" b="1" dirty="0" smtClean="0"/>
+                <a:t> 변환</a:t>
+              </a:r>
+              <a:endParaRPr lang="ko-KR" altLang="en-US" sz="2400" b="1" dirty="0"/>
+            </a:p>
+          </p:txBody>
+        </p:sp>
+      </p:grpSp>
+      <p:grpSp>
+        <p:nvGrpSpPr>
+          <p:cNvPr id="55" name="그룹 54"/>
+          <p:cNvGrpSpPr/>
+          <p:nvPr/>
+        </p:nvGrpSpPr>
+        <p:grpSpPr>
+          <a:xfrm>
+            <a:off x="15418807" y="9141898"/>
+            <a:ext cx="2692401" cy="2790012"/>
+            <a:chOff x="6034312" y="2826437"/>
+            <a:chExt cx="2692401" cy="2790012"/>
+          </a:xfrm>
+          <a:solidFill>
+            <a:schemeClr val="accent5">
+              <a:lumMod val="20000"/>
+              <a:lumOff val="80000"/>
+            </a:schemeClr>
+          </a:solidFill>
+        </p:grpSpPr>
+        <p:sp>
+          <p:nvSpPr>
+            <p:cNvPr id="56" name="이등변 삼각형 55"/>
+            <p:cNvSpPr/>
+            <p:nvPr/>
+          </p:nvSpPr>
+          <p:spPr>
+            <a:xfrm flipV="1">
+              <a:off x="6985112" y="4379685"/>
+              <a:ext cx="863600" cy="1236764"/>
+            </a:xfrm>
+            <a:prstGeom prst="triangle">
+              <a:avLst>
+                <a:gd name="adj" fmla="val 50000"/>
+              </a:avLst>
+            </a:prstGeom>
+            <a:grpFill/>
+            <a:ln>
+              <a:noFill/>
+            </a:ln>
+          </p:spPr>
+          <p:style>
+            <a:lnRef idx="2">
+              <a:schemeClr val="accent1">
+                <a:shade val="50000"/>
+              </a:schemeClr>
+            </a:lnRef>
+            <a:fillRef idx="1">
+              <a:schemeClr val="accent1"/>
+            </a:fillRef>
+            <a:effectRef idx="0">
+              <a:schemeClr val="accent1"/>
+            </a:effectRef>
+            <a:fontRef idx="minor">
+              <a:schemeClr val="lt1"/>
+            </a:fontRef>
+          </p:style>
+          <p:txBody>
+            <a:bodyPr rtlCol="0" anchor="ctr"/>
+            <a:lstStyle/>
+            <a:p>
+              <a:pPr algn="ctr"/>
+              <a:endParaRPr lang="ko-KR" altLang="en-US"/>
+            </a:p>
+          </p:txBody>
+        </p:sp>
+        <p:sp>
+          <p:nvSpPr>
+            <p:cNvPr id="57" name="모서리가 둥근 직사각형 56"/>
+            <p:cNvSpPr/>
+            <p:nvPr/>
+          </p:nvSpPr>
+          <p:spPr>
+            <a:xfrm>
+              <a:off x="6034312" y="2826437"/>
+              <a:ext cx="2692401" cy="1849702"/>
+            </a:xfrm>
+            <a:prstGeom prst="roundRect">
+              <a:avLst/>
+            </a:prstGeom>
+            <a:grpFill/>
+            <a:ln>
+              <a:noFill/>
+            </a:ln>
+          </p:spPr>
+          <p:style>
+            <a:lnRef idx="2">
+              <a:schemeClr val="accent1">
+                <a:shade val="50000"/>
+              </a:schemeClr>
+            </a:lnRef>
+            <a:fillRef idx="1">
+              <a:schemeClr val="accent1"/>
+            </a:fillRef>
+            <a:effectRef idx="0">
+              <a:schemeClr val="accent1"/>
+            </a:effectRef>
+            <a:fontRef idx="minor">
+              <a:schemeClr val="lt1"/>
+            </a:fontRef>
+          </p:style>
+          <p:txBody>
+            <a:bodyPr rtlCol="0" anchor="ctr"/>
+            <a:lstStyle/>
+            <a:p>
+              <a:pPr algn="ctr"/>
+              <a:r>
+                <a:rPr lang="ko-KR" altLang="en-US" sz="2400" dirty="0" smtClean="0">
+                  <a:solidFill>
+                    <a:schemeClr val="bg1">
+                      <a:lumMod val="50000"/>
+                    </a:schemeClr>
+                  </a:solidFill>
+                </a:rPr>
+                <a:t>한글의 자소 분리</a:t>
+              </a:r>
+              <a:endParaRPr lang="ko-KR" altLang="en-US" sz="2400" dirty="0">
+                <a:solidFill>
+                  <a:schemeClr val="bg1">
+                    <a:lumMod val="50000"/>
+                  </a:schemeClr>
+                </a:solidFill>
+              </a:endParaRPr>
+            </a:p>
+          </p:txBody>
+        </p:sp>
+      </p:grpSp>
+      <p:grpSp>
+        <p:nvGrpSpPr>
+          <p:cNvPr id="54" name="그룹 53"/>
+          <p:cNvGrpSpPr/>
+          <p:nvPr/>
+        </p:nvGrpSpPr>
+        <p:grpSpPr>
+          <a:xfrm>
+            <a:off x="9641113" y="9195039"/>
+            <a:ext cx="2692401" cy="2790012"/>
+            <a:chOff x="6034312" y="2826437"/>
+            <a:chExt cx="2692401" cy="2790012"/>
+          </a:xfrm>
+          <a:solidFill>
+            <a:schemeClr val="accent5">
+              <a:lumMod val="20000"/>
+              <a:lumOff val="80000"/>
+            </a:schemeClr>
+          </a:solidFill>
+        </p:grpSpPr>
+        <p:sp>
+          <p:nvSpPr>
+            <p:cNvPr id="58" name="이등변 삼각형 57"/>
+            <p:cNvSpPr/>
+            <p:nvPr/>
+          </p:nvSpPr>
+          <p:spPr>
+            <a:xfrm flipV="1">
+              <a:off x="6985112" y="4379685"/>
+              <a:ext cx="863600" cy="1236764"/>
+            </a:xfrm>
+            <a:prstGeom prst="triangle">
+              <a:avLst>
+                <a:gd name="adj" fmla="val 50000"/>
+              </a:avLst>
+            </a:prstGeom>
+            <a:grpFill/>
+            <a:ln>
+              <a:noFill/>
+            </a:ln>
+          </p:spPr>
+          <p:style>
+            <a:lnRef idx="2">
+              <a:schemeClr val="accent1">
+                <a:shade val="50000"/>
+              </a:schemeClr>
+            </a:lnRef>
+            <a:fillRef idx="1">
+              <a:schemeClr val="accent1"/>
+            </a:fillRef>
+            <a:effectRef idx="0">
+              <a:schemeClr val="accent1"/>
+            </a:effectRef>
+            <a:fontRef idx="minor">
+              <a:schemeClr val="lt1"/>
+            </a:fontRef>
+          </p:style>
+          <p:txBody>
+            <a:bodyPr rtlCol="0" anchor="ctr"/>
+            <a:lstStyle/>
+            <a:p>
+              <a:pPr algn="ctr"/>
+              <a:endParaRPr lang="ko-KR" altLang="en-US"/>
+            </a:p>
+          </p:txBody>
+        </p:sp>
+        <p:sp>
+          <p:nvSpPr>
+            <p:cNvPr id="59" name="모서리가 둥근 직사각형 58"/>
+            <p:cNvSpPr/>
+            <p:nvPr/>
+          </p:nvSpPr>
+          <p:spPr>
+            <a:xfrm>
+              <a:off x="6034312" y="2826437"/>
+              <a:ext cx="2692401" cy="1849702"/>
+            </a:xfrm>
+            <a:prstGeom prst="roundRect">
+              <a:avLst/>
+            </a:prstGeom>
+            <a:grpFill/>
+            <a:ln>
+              <a:noFill/>
+            </a:ln>
+          </p:spPr>
+          <p:style>
+            <a:lnRef idx="2">
+              <a:schemeClr val="accent1">
+                <a:shade val="50000"/>
+              </a:schemeClr>
+            </a:lnRef>
+            <a:fillRef idx="1">
+              <a:schemeClr val="accent1"/>
+            </a:fillRef>
+            <a:effectRef idx="0">
+              <a:schemeClr val="accent1"/>
+            </a:effectRef>
+            <a:fontRef idx="minor">
+              <a:schemeClr val="lt1"/>
+            </a:fontRef>
+          </p:style>
+          <p:txBody>
+            <a:bodyPr rtlCol="0" anchor="ctr"/>
+            <a:lstStyle/>
+            <a:p>
+              <a:pPr algn="ctr"/>
+              <a:r>
+                <a:rPr lang="en-US" altLang="ko-KR" sz="2400" dirty="0" smtClean="0">
+                  <a:solidFill>
+                    <a:schemeClr val="bg1">
+                      <a:lumMod val="50000"/>
+                    </a:schemeClr>
+                  </a:solidFill>
+                </a:rPr>
+                <a:t>4</a:t>
+              </a:r>
+              <a:r>
+                <a:rPr lang="ko-KR" altLang="en-US" sz="2400" dirty="0" smtClean="0">
+                  <a:solidFill>
+                    <a:schemeClr val="bg1">
+                      <a:lumMod val="50000"/>
+                    </a:schemeClr>
+                  </a:solidFill>
+                </a:rPr>
+                <a:t>글자씩 </a:t>
+              </a:r>
+              <a:endParaRPr lang="en-US" altLang="ko-KR" sz="2400" dirty="0" smtClean="0">
+                <a:solidFill>
+                  <a:schemeClr val="bg1">
+                    <a:lumMod val="50000"/>
+                  </a:schemeClr>
+                </a:solidFill>
+              </a:endParaRPr>
+            </a:p>
+            <a:p>
+              <a:pPr algn="ctr"/>
+              <a:r>
+                <a:rPr lang="ko-KR" altLang="en-US" sz="2400" dirty="0" smtClean="0">
+                  <a:solidFill>
+                    <a:schemeClr val="bg1">
+                      <a:lumMod val="50000"/>
+                    </a:schemeClr>
+                  </a:solidFill>
+                </a:rPr>
+                <a:t>유니코드로 저장</a:t>
+              </a:r>
+              <a:endParaRPr lang="ko-KR" altLang="en-US" sz="2400" dirty="0">
+                <a:solidFill>
+                  <a:schemeClr val="bg1">
+                    <a:lumMod val="50000"/>
+                  </a:schemeClr>
+                </a:solidFill>
+              </a:endParaRPr>
+            </a:p>
+          </p:txBody>
+        </p:sp>
+      </p:grpSp>
+      <p:grpSp>
+        <p:nvGrpSpPr>
+          <p:cNvPr id="60" name="그룹 59"/>
+          <p:cNvGrpSpPr/>
+          <p:nvPr/>
+        </p:nvGrpSpPr>
+        <p:grpSpPr>
+          <a:xfrm>
+            <a:off x="9989497" y="15547591"/>
+            <a:ext cx="3124895" cy="2790012"/>
+            <a:chOff x="5854464" y="2826437"/>
+            <a:chExt cx="3124895" cy="2790012"/>
+          </a:xfrm>
+          <a:solidFill>
+            <a:schemeClr val="accent5">
+              <a:lumMod val="20000"/>
+              <a:lumOff val="80000"/>
+            </a:schemeClr>
+          </a:solidFill>
+        </p:grpSpPr>
+        <p:sp>
+          <p:nvSpPr>
+            <p:cNvPr id="61" name="이등변 삼각형 60"/>
+            <p:cNvSpPr/>
+            <p:nvPr/>
+          </p:nvSpPr>
+          <p:spPr>
+            <a:xfrm flipV="1">
+              <a:off x="6985112" y="4379685"/>
+              <a:ext cx="863600" cy="1236764"/>
+            </a:xfrm>
+            <a:prstGeom prst="triangle">
+              <a:avLst>
+                <a:gd name="adj" fmla="val 50000"/>
+              </a:avLst>
+            </a:prstGeom>
+            <a:grpFill/>
+            <a:ln>
+              <a:noFill/>
+            </a:ln>
+          </p:spPr>
+          <p:style>
+            <a:lnRef idx="2">
+              <a:schemeClr val="accent1">
+                <a:shade val="50000"/>
+              </a:schemeClr>
+            </a:lnRef>
+            <a:fillRef idx="1">
+              <a:schemeClr val="accent1"/>
+            </a:fillRef>
+            <a:effectRef idx="0">
+              <a:schemeClr val="accent1"/>
+            </a:effectRef>
+            <a:fontRef idx="minor">
+              <a:schemeClr val="lt1"/>
+            </a:fontRef>
+          </p:style>
+          <p:txBody>
+            <a:bodyPr rtlCol="0" anchor="ctr"/>
+            <a:lstStyle/>
+            <a:p>
+              <a:pPr algn="ctr"/>
+              <a:endParaRPr lang="ko-KR" altLang="en-US"/>
+            </a:p>
+          </p:txBody>
+        </p:sp>
+        <p:sp>
+          <p:nvSpPr>
+            <p:cNvPr id="64" name="모서리가 둥근 직사각형 63"/>
+            <p:cNvSpPr/>
+            <p:nvPr/>
+          </p:nvSpPr>
+          <p:spPr>
+            <a:xfrm>
+              <a:off x="5854464" y="2826437"/>
+              <a:ext cx="3124895" cy="1849702"/>
+            </a:xfrm>
+            <a:prstGeom prst="roundRect">
+              <a:avLst/>
+            </a:prstGeom>
+            <a:grpFill/>
+            <a:ln>
+              <a:noFill/>
+            </a:ln>
+          </p:spPr>
+          <p:style>
+            <a:lnRef idx="2">
+              <a:schemeClr val="accent1">
+                <a:shade val="50000"/>
+              </a:schemeClr>
+            </a:lnRef>
+            <a:fillRef idx="1">
+              <a:schemeClr val="accent1"/>
+            </a:fillRef>
+            <a:effectRef idx="0">
+              <a:schemeClr val="accent1"/>
+            </a:effectRef>
+            <a:fontRef idx="minor">
+              <a:schemeClr val="lt1"/>
+            </a:fontRef>
+          </p:style>
+          <p:txBody>
+            <a:bodyPr rtlCol="0" anchor="ctr"/>
+            <a:lstStyle/>
+            <a:p>
+              <a:pPr algn="ctr"/>
+              <a:r>
+                <a:rPr lang="ko-KR" altLang="en-US" sz="2400" dirty="0" smtClean="0">
+                  <a:solidFill>
+                    <a:schemeClr val="bg1">
+                      <a:lumMod val="50000"/>
+                    </a:schemeClr>
+                  </a:solidFill>
+                </a:rPr>
+                <a:t>약어가 존재하는 </a:t>
+              </a:r>
+              <a:endParaRPr lang="en-US" altLang="ko-KR" sz="2400" dirty="0" smtClean="0">
+                <a:solidFill>
+                  <a:schemeClr val="bg1">
+                    <a:lumMod val="50000"/>
+                  </a:schemeClr>
+                </a:solidFill>
+              </a:endParaRPr>
+            </a:p>
+            <a:p>
+              <a:pPr algn="ctr"/>
+              <a:r>
+                <a:rPr lang="ko-KR" altLang="en-US" sz="2400" dirty="0" smtClean="0">
+                  <a:solidFill>
+                    <a:schemeClr val="bg1">
+                      <a:lumMod val="50000"/>
+                    </a:schemeClr>
+                  </a:solidFill>
+                </a:rPr>
+                <a:t>접속사 등은 </a:t>
+              </a:r>
+              <a:endParaRPr lang="en-US" altLang="ko-KR" sz="2400" dirty="0" smtClean="0">
+                <a:solidFill>
+                  <a:schemeClr val="bg1">
+                    <a:lumMod val="50000"/>
+                  </a:schemeClr>
+                </a:solidFill>
+              </a:endParaRPr>
+            </a:p>
+            <a:p>
+              <a:pPr algn="ctr"/>
+              <a:r>
+                <a:rPr lang="ko-KR" altLang="en-US" sz="2400" dirty="0" smtClean="0">
+                  <a:solidFill>
+                    <a:schemeClr val="bg1">
+                      <a:lumMod val="50000"/>
+                    </a:schemeClr>
+                  </a:solidFill>
+                </a:rPr>
+                <a:t>임의의 유니코드를 부여</a:t>
+              </a:r>
+              <a:endParaRPr lang="ko-KR" altLang="en-US" sz="2400" dirty="0">
+                <a:solidFill>
+                  <a:schemeClr val="bg1">
+                    <a:lumMod val="50000"/>
+                  </a:schemeClr>
+                </a:solidFill>
+              </a:endParaRPr>
+            </a:p>
+          </p:txBody>
+        </p:sp>
+      </p:grpSp>
+      <p:grpSp>
+        <p:nvGrpSpPr>
+          <p:cNvPr id="68" name="그룹 67"/>
+          <p:cNvGrpSpPr/>
+          <p:nvPr/>
+        </p:nvGrpSpPr>
+        <p:grpSpPr>
+          <a:xfrm>
+            <a:off x="16114877" y="15607476"/>
+            <a:ext cx="3124895" cy="2790012"/>
+            <a:chOff x="5854464" y="2826437"/>
+            <a:chExt cx="3124895" cy="2790012"/>
+          </a:xfrm>
+          <a:solidFill>
+            <a:schemeClr val="accent5">
+              <a:lumMod val="20000"/>
+              <a:lumOff val="80000"/>
+            </a:schemeClr>
+          </a:solidFill>
+        </p:grpSpPr>
+        <p:sp>
+          <p:nvSpPr>
+            <p:cNvPr id="69" name="이등변 삼각형 68"/>
+            <p:cNvSpPr/>
+            <p:nvPr/>
+          </p:nvSpPr>
+          <p:spPr>
+            <a:xfrm flipV="1">
+              <a:off x="6985112" y="4379685"/>
+              <a:ext cx="863600" cy="1236764"/>
+            </a:xfrm>
+            <a:prstGeom prst="triangle">
+              <a:avLst>
+                <a:gd name="adj" fmla="val 50000"/>
+              </a:avLst>
+            </a:prstGeom>
+            <a:grpFill/>
+            <a:ln>
+              <a:noFill/>
+            </a:ln>
+          </p:spPr>
+          <p:style>
+            <a:lnRef idx="2">
+              <a:schemeClr val="accent1">
+                <a:shade val="50000"/>
+              </a:schemeClr>
+            </a:lnRef>
+            <a:fillRef idx="1">
+              <a:schemeClr val="accent1"/>
+            </a:fillRef>
+            <a:effectRef idx="0">
+              <a:schemeClr val="accent1"/>
+            </a:effectRef>
+            <a:fontRef idx="minor">
+              <a:schemeClr val="lt1"/>
+            </a:fontRef>
+          </p:style>
+          <p:txBody>
+            <a:bodyPr rtlCol="0" anchor="ctr"/>
+            <a:lstStyle/>
+            <a:p>
+              <a:pPr algn="ctr"/>
+              <a:endParaRPr lang="ko-KR" altLang="en-US"/>
+            </a:p>
+          </p:txBody>
+        </p:sp>
+        <p:sp>
+          <p:nvSpPr>
+            <p:cNvPr id="70" name="모서리가 둥근 직사각형 69"/>
+            <p:cNvSpPr/>
+            <p:nvPr/>
+          </p:nvSpPr>
+          <p:spPr>
+            <a:xfrm>
+              <a:off x="5854464" y="2826437"/>
+              <a:ext cx="3124895" cy="1849702"/>
+            </a:xfrm>
+            <a:prstGeom prst="roundRect">
+              <a:avLst/>
+            </a:prstGeom>
+            <a:grpFill/>
+            <a:ln>
+              <a:noFill/>
+            </a:ln>
+          </p:spPr>
+          <p:style>
+            <a:lnRef idx="2">
+              <a:schemeClr val="accent1">
+                <a:shade val="50000"/>
+              </a:schemeClr>
+            </a:lnRef>
+            <a:fillRef idx="1">
+              <a:schemeClr val="accent1"/>
+            </a:fillRef>
+            <a:effectRef idx="0">
+              <a:schemeClr val="accent1"/>
+            </a:effectRef>
+            <a:fontRef idx="minor">
+              <a:schemeClr val="lt1"/>
+            </a:fontRef>
+          </p:style>
+          <p:txBody>
+            <a:bodyPr rtlCol="0" anchor="ctr"/>
+            <a:lstStyle/>
+            <a:p>
+              <a:pPr algn="ctr"/>
+              <a:r>
+                <a:rPr lang="en-US" altLang="ko-KR" sz="2400" dirty="0" smtClean="0">
+                  <a:solidFill>
+                    <a:schemeClr val="bg1">
+                      <a:lumMod val="50000"/>
+                    </a:schemeClr>
+                  </a:solidFill>
+                </a:rPr>
+                <a:t>4</a:t>
+              </a:r>
+              <a:r>
+                <a:rPr lang="ko-KR" altLang="en-US" sz="2400" dirty="0" smtClean="0">
+                  <a:solidFill>
+                    <a:schemeClr val="bg1">
+                      <a:lumMod val="50000"/>
+                    </a:schemeClr>
+                  </a:solidFill>
+                </a:rPr>
+                <a:t>개의 </a:t>
+              </a:r>
+              <a:r>
+                <a:rPr lang="en-US" altLang="ko-KR" sz="2400" dirty="0" smtClean="0">
+                  <a:solidFill>
+                    <a:schemeClr val="bg1">
+                      <a:lumMod val="50000"/>
+                    </a:schemeClr>
+                  </a:solidFill>
+                </a:rPr>
+                <a:t>Char</a:t>
+              </a:r>
+              <a:r>
+                <a:rPr lang="ko-KR" altLang="en-US" sz="2400" dirty="0" smtClean="0">
+                  <a:solidFill>
+                    <a:schemeClr val="bg1">
+                      <a:lumMod val="50000"/>
+                    </a:schemeClr>
+                  </a:solidFill>
+                </a:rPr>
+                <a:t>형을</a:t>
+              </a:r>
+              <a:endParaRPr lang="en-US" altLang="ko-KR" sz="2400" dirty="0" smtClean="0">
+                <a:solidFill>
+                  <a:schemeClr val="bg1">
+                    <a:lumMod val="50000"/>
+                  </a:schemeClr>
+                </a:solidFill>
+              </a:endParaRPr>
+            </a:p>
+            <a:p>
+              <a:pPr algn="ctr"/>
+              <a:r>
+                <a:rPr lang="ko-KR" altLang="en-US" sz="2400" dirty="0" smtClean="0">
+                  <a:solidFill>
+                    <a:schemeClr val="bg1">
+                      <a:lumMod val="50000"/>
+                    </a:schemeClr>
+                  </a:solidFill>
+                </a:rPr>
+                <a:t> </a:t>
+              </a:r>
+              <a:r>
+                <a:rPr lang="en-US" altLang="ko-KR" sz="2400" dirty="0" smtClean="0">
+                  <a:solidFill>
+                    <a:schemeClr val="bg1">
+                      <a:lumMod val="50000"/>
+                    </a:schemeClr>
+                  </a:solidFill>
+                </a:rPr>
+                <a:t>int</a:t>
+              </a:r>
+              <a:r>
+                <a:rPr lang="ko-KR" altLang="en-US" sz="2400" dirty="0" smtClean="0">
+                  <a:solidFill>
+                    <a:schemeClr val="bg1">
+                      <a:lumMod val="50000"/>
+                    </a:schemeClr>
+                  </a:solidFill>
+                </a:rPr>
+                <a:t>형으로 변환</a:t>
+              </a:r>
+              <a:endParaRPr lang="ko-KR" altLang="en-US" sz="2400" dirty="0">
+                <a:solidFill>
+                  <a:schemeClr val="bg1">
+                    <a:lumMod val="50000"/>
+                  </a:schemeClr>
+                </a:solidFill>
+              </a:endParaRPr>
+            </a:p>
+          </p:txBody>
+        </p:sp>
+      </p:grpSp>
+      <p:grpSp>
+        <p:nvGrpSpPr>
+          <p:cNvPr id="15" name="그룹 14"/>
+          <p:cNvGrpSpPr/>
+          <p:nvPr/>
+        </p:nvGrpSpPr>
+        <p:grpSpPr>
+          <a:xfrm>
+            <a:off x="21904493" y="14730173"/>
+            <a:ext cx="4427214" cy="3595704"/>
+            <a:chOff x="6742740" y="8389347"/>
+            <a:chExt cx="4427214" cy="3595704"/>
+          </a:xfrm>
+        </p:grpSpPr>
+        <p:grpSp>
+          <p:nvGrpSpPr>
+            <p:cNvPr id="71" name="그룹 70"/>
+            <p:cNvGrpSpPr/>
+            <p:nvPr/>
+          </p:nvGrpSpPr>
+          <p:grpSpPr>
+            <a:xfrm>
+              <a:off x="8477553" y="9195039"/>
+              <a:ext cx="2692401" cy="2790012"/>
+              <a:chOff x="6034312" y="2768927"/>
+              <a:chExt cx="2692401" cy="2790012"/>
+            </a:xfrm>
+          </p:grpSpPr>
+          <p:grpSp>
+            <p:nvGrpSpPr>
+              <p:cNvPr id="72" name="그룹 71"/>
+              <p:cNvGrpSpPr/>
+              <p:nvPr/>
+            </p:nvGrpSpPr>
+            <p:grpSpPr>
+              <a:xfrm>
+                <a:off x="6034312" y="2768927"/>
+                <a:ext cx="2692401" cy="2790012"/>
+                <a:chOff x="6034312" y="2826437"/>
+                <a:chExt cx="2692401" cy="2790012"/>
+              </a:xfrm>
+            </p:grpSpPr>
+            <p:sp>
+              <p:nvSpPr>
+                <p:cNvPr id="75" name="이등변 삼각형 74"/>
+                <p:cNvSpPr/>
+                <p:nvPr/>
+              </p:nvSpPr>
+              <p:spPr>
+                <a:xfrm flipV="1">
+                  <a:off x="6985112" y="4379685"/>
+                  <a:ext cx="863600" cy="1236764"/>
+                </a:xfrm>
+                <a:prstGeom prst="triangle">
+                  <a:avLst>
+                    <a:gd name="adj" fmla="val 50000"/>
+                  </a:avLst>
+                </a:prstGeom>
+                <a:solidFill>
+                  <a:schemeClr val="accent3">
+                    <a:lumMod val="20000"/>
+                    <a:lumOff val="80000"/>
+                  </a:schemeClr>
+                </a:solidFill>
+                <a:ln>
+                  <a:noFill/>
+                </a:ln>
+              </p:spPr>
+              <p:style>
+                <a:lnRef idx="2">
+                  <a:schemeClr val="accent1">
+                    <a:shade val="50000"/>
+                  </a:schemeClr>
+                </a:lnRef>
+                <a:fillRef idx="1">
+                  <a:schemeClr val="accent1"/>
+                </a:fillRef>
+                <a:effectRef idx="0">
+                  <a:schemeClr val="accent1"/>
+                </a:effectRef>
+                <a:fontRef idx="minor">
+                  <a:schemeClr val="lt1"/>
+                </a:fontRef>
+              </p:style>
+              <p:txBody>
+                <a:bodyPr rtlCol="0" anchor="ctr"/>
+                <a:lstStyle/>
+                <a:p>
+                  <a:pPr algn="ctr"/>
+                  <a:endParaRPr lang="ko-KR" altLang="en-US"/>
+                </a:p>
+              </p:txBody>
+            </p:sp>
+            <p:sp>
+              <p:nvSpPr>
+                <p:cNvPr id="76" name="모서리가 둥근 직사각형 75"/>
+                <p:cNvSpPr/>
+                <p:nvPr/>
+              </p:nvSpPr>
+              <p:spPr>
+                <a:xfrm>
+                  <a:off x="6034312" y="2826437"/>
+                  <a:ext cx="2692401" cy="1849702"/>
+                </a:xfrm>
+                <a:prstGeom prst="roundRect">
+                  <a:avLst/>
+                </a:prstGeom>
+                <a:solidFill>
+                  <a:schemeClr val="accent3">
+                    <a:lumMod val="20000"/>
+                    <a:lumOff val="80000"/>
+                  </a:schemeClr>
+                </a:solidFill>
+                <a:ln>
+                  <a:noFill/>
+                </a:ln>
+              </p:spPr>
+              <p:style>
+                <a:lnRef idx="2">
+                  <a:schemeClr val="accent1">
+                    <a:shade val="50000"/>
+                  </a:schemeClr>
+                </a:lnRef>
+                <a:fillRef idx="1">
+                  <a:schemeClr val="accent1"/>
+                </a:fillRef>
+                <a:effectRef idx="0">
+                  <a:schemeClr val="accent1"/>
+                </a:effectRef>
+                <a:fontRef idx="minor">
+                  <a:schemeClr val="lt1"/>
+                </a:fontRef>
+              </p:style>
+              <p:txBody>
+                <a:bodyPr rtlCol="0" anchor="ctr"/>
+                <a:lstStyle/>
+                <a:p>
+                  <a:pPr algn="ctr"/>
+                  <a:endParaRPr lang="ko-KR" altLang="en-US" dirty="0"/>
+                </a:p>
+              </p:txBody>
+            </p:sp>
+          </p:grpSp>
+          <p:sp>
+            <p:nvSpPr>
+              <p:cNvPr id="74" name="TextBox 73"/>
+              <p:cNvSpPr txBox="1"/>
+              <p:nvPr/>
+            </p:nvSpPr>
+            <p:spPr>
+              <a:xfrm>
+                <a:off x="6266207" y="3139648"/>
+                <a:ext cx="2228610" cy="1200329"/>
+              </a:xfrm>
+              <a:prstGeom prst="rect">
+                <a:avLst/>
+              </a:prstGeom>
+              <a:noFill/>
+            </p:spPr>
+            <p:txBody>
+              <a:bodyPr wrap="square" rtlCol="0">
+                <a:spAutoFit/>
+              </a:bodyPr>
+              <a:lstStyle/>
+              <a:p>
+                <a:pPr algn="ctr"/>
+                <a:r>
+                  <a:rPr lang="en-US" altLang="ko-KR" sz="2400" dirty="0" smtClean="0"/>
+                  <a:t>10</a:t>
+                </a:r>
+                <a:r>
+                  <a:rPr lang="ko-KR" altLang="en-US" sz="2400" dirty="0" smtClean="0"/>
+                  <a:t>진수를 </a:t>
+                </a:r>
+                <a:endParaRPr lang="en-US" altLang="ko-KR" sz="2400" dirty="0" smtClean="0"/>
+              </a:p>
+              <a:p>
+                <a:pPr algn="ctr"/>
+                <a:r>
+                  <a:rPr lang="ko-KR" altLang="en-US" sz="2400" dirty="0" smtClean="0"/>
+                  <a:t>솔레노이드 </a:t>
+                </a:r>
+                <a:endParaRPr lang="en-US" altLang="ko-KR" sz="2400" dirty="0" smtClean="0"/>
+              </a:p>
+              <a:p>
+                <a:pPr algn="ctr"/>
+                <a:r>
+                  <a:rPr lang="ko-KR" altLang="en-US" sz="2400" dirty="0" smtClean="0"/>
+                  <a:t>제어 큐에 </a:t>
+                </a:r>
+                <a:r>
+                  <a:rPr lang="en-US" altLang="ko-KR" sz="2400" dirty="0" smtClean="0"/>
+                  <a:t>push</a:t>
+                </a:r>
+                <a:endParaRPr lang="ko-KR" altLang="en-US" sz="2400" dirty="0"/>
+              </a:p>
+            </p:txBody>
+          </p:sp>
+        </p:grpSp>
+        <p:pic>
+          <p:nvPicPr>
+            <p:cNvPr id="1026" name="Picture 2" descr="ìë ë+¸ì´ëì ëí ì´ë¯¸ì§ ê²ìê²°ê³¼"/>
+            <p:cNvPicPr>
+              <a:picLocks noChangeAspect="1" noChangeArrowheads="1"/>
+            </p:cNvPicPr>
+            <p:nvPr/>
+          </p:nvPicPr>
+          <p:blipFill>
+            <a:blip r:embed="rId4">
+              <a:extLst>
+                <a:ext uri="{BEBA8EAE-BF5A-486C-A8C5-ECC9F3942E4B}">
+                  <a14:imgProps xmlns:a14="http://schemas.microsoft.com/office/drawing/2010/main">
+                    <a14:imgLayer r:embed="rId5">
+                      <a14:imgEffect>
+                        <a14:backgroundRemoval t="2889" b="94667" l="10000" r="90000"/>
+                      </a14:imgEffect>
+                    </a14:imgLayer>
+                  </a14:imgProps>
+                </a:ext>
+                <a:ext uri="{28A0092B-C50C-407E-A947-70E740481C1C}">
+                  <a14:useLocalDpi xmlns:a14="http://schemas.microsoft.com/office/drawing/2010/main" val="0"/>
+                </a:ext>
+              </a:extLst>
+            </a:blip>
+            <a:srcRect/>
+            <a:stretch>
+              <a:fillRect/>
+            </a:stretch>
+          </p:blipFill>
+          <p:spPr bwMode="auto">
+            <a:xfrm>
+              <a:off x="6742740" y="8389347"/>
+              <a:ext cx="2898105" cy="2173579"/>
+            </a:xfrm>
+            <a:prstGeom prst="rect">
+              <a:avLst/>
+            </a:prstGeom>
+            <a:noFill/>
+            <a:extLst>
+              <a:ext uri="{909E8E84-426E-40DD-AFC4-6F175D3DCCD1}">
+                <a14:hiddenFill xmlns:a14="http://schemas.microsoft.com/office/drawing/2010/main">
+                  <a:solidFill>
+                    <a:srgbClr val="FFFFFF"/>
+                  </a:solidFill>
+                </a14:hiddenFill>
+              </a:ext>
+            </a:extLst>
+          </p:spPr>
+        </p:pic>
+      </p:grpSp>
+      <p:sp>
+        <p:nvSpPr>
+          <p:cNvPr id="10" name="이등변 삼각형 9"/>
+          <p:cNvSpPr/>
+          <p:nvPr/>
+        </p:nvSpPr>
+        <p:spPr>
+          <a:xfrm rot="5400000">
+            <a:off x="27365590" y="17703577"/>
+            <a:ext cx="1066911" cy="1244600"/>
+          </a:xfrm>
+          <a:prstGeom prst="triangle">
+            <a:avLst/>
+          </a:prstGeom>
+          <a:solidFill>
+            <a:srgbClr val="FF7C80"/>
+          </a:solidFill>
+          <a:ln>
+            <a:noFill/>
+          </a:ln>
+        </p:spPr>
+        <p:style>
+          <a:lnRef idx="2">
+            <a:schemeClr val="accent1">
+              <a:shade val="50000"/>
+            </a:schemeClr>
+          </a:lnRef>
+          <a:fillRef idx="1">
+            <a:schemeClr val="accent1"/>
+          </a:fillRef>
+          <a:effectRef idx="0">
+            <a:schemeClr val="accent1"/>
+          </a:effectRef>
+          <a:fontRef idx="minor">
+            <a:schemeClr val="lt1"/>
+          </a:fontRef>
+        </p:style>
+        <p:txBody>
+          <a:bodyPr rtlCol="0" anchor="ctr"/>
+          <a:lstStyle/>
+          <a:p>
+            <a:pPr algn="ctr"/>
+            <a:endParaRPr lang="ko-KR" altLang="en-US"/>
+          </a:p>
+        </p:txBody>
+      </p:sp>
+      <p:cxnSp>
+        <p:nvCxnSpPr>
+          <p:cNvPr id="77" name="직선 연결선 76"/>
+          <p:cNvCxnSpPr/>
+          <p:nvPr/>
+        </p:nvCxnSpPr>
+        <p:spPr>
+          <a:xfrm flipV="1">
+            <a:off x="7450211" y="18349328"/>
+            <a:ext cx="20720006" cy="36435"/>
+          </a:xfrm>
+          <a:prstGeom prst="line">
+            <a:avLst/>
+          </a:prstGeom>
+          <a:ln w="76200">
+            <a:solidFill>
+              <a:srgbClr val="FF7C80"/>
+            </a:solidFill>
+          </a:ln>
+        </p:spPr>
+        <p:style>
+          <a:lnRef idx="1">
+            <a:schemeClr val="accent1"/>
+          </a:lnRef>
+          <a:fillRef idx="0">
+            <a:schemeClr val="accent1"/>
+          </a:fillRef>
+          <a:effectRef idx="0">
+            <a:schemeClr val="accent1"/>
+          </a:effectRef>
+          <a:fontRef idx="minor">
+            <a:schemeClr val="tx1"/>
+          </a:fontRef>
+        </p:style>
+      </p:cxnSp>
+      <p:cxnSp>
+        <p:nvCxnSpPr>
+          <p:cNvPr id="78" name="직선 연결선 77"/>
+          <p:cNvCxnSpPr/>
+          <p:nvPr/>
+        </p:nvCxnSpPr>
+        <p:spPr>
+          <a:xfrm>
+            <a:off x="7418813" y="11948616"/>
+            <a:ext cx="48178" cy="6426112"/>
+          </a:xfrm>
+          <a:prstGeom prst="line">
+            <a:avLst/>
+          </a:prstGeom>
+          <a:ln w="76200">
+            <a:solidFill>
+              <a:srgbClr val="FF7C80"/>
+            </a:solidFill>
+          </a:ln>
+        </p:spPr>
+        <p:style>
+          <a:lnRef idx="1">
+            <a:schemeClr val="accent1"/>
+          </a:lnRef>
+          <a:fillRef idx="0">
+            <a:schemeClr val="accent1"/>
+          </a:fillRef>
+          <a:effectRef idx="0">
+            <a:schemeClr val="accent1"/>
+          </a:effectRef>
+          <a:fontRef idx="minor">
+            <a:schemeClr val="tx1"/>
+          </a:fontRef>
+        </p:style>
+      </p:cxnSp>
+    </p:spTree>
+    <p:extLst>
+      <p:ext uri="{BB962C8B-B14F-4D97-AF65-F5344CB8AC3E}">
+        <p14:creationId xmlns:p14="http://schemas.microsoft.com/office/powerpoint/2010/main" val="1439786294"/>
+      </p:ext>
+    </p:extLst>
+  </p:cSld>
+  <p:clrMapOvr>
+    <a:masterClrMapping/>
+  </p:clrMapOvr>
 </p:sld>
 </file>
 
